--- a/流行度问题.pptx
+++ b/流行度问题.pptx
@@ -2,8 +2,14 @@
 <file path=ppt/presentation.xml><?xml version="1.0" encoding="utf-8"?>
 <p:presentation xmlns:a="http://schemas.openxmlformats.org/drawingml/2006/main" xmlns:r="http://schemas.openxmlformats.org/officeDocument/2006/relationships" xmlns:p="http://schemas.openxmlformats.org/presentationml/2006/main" saveSubsetFonts="1" autoCompressPictures="0">
   <p:sldMasterIdLst>
-    <p:sldMasterId id="2147483720" r:id="rId1"/>
+    <p:sldMasterId id="2147483780" r:id="rId1"/>
   </p:sldMasterIdLst>
+  <p:notesMasterIdLst>
+    <p:notesMasterId r:id="rId8"/>
+  </p:notesMasterIdLst>
+  <p:handoutMasterIdLst>
+    <p:handoutMasterId r:id="rId9"/>
+  </p:handoutMasterIdLst>
   <p:sldIdLst>
     <p:sldId id="258" r:id="rId2"/>
     <p:sldId id="259" r:id="rId3"/>
@@ -109,7 +115,533 @@
       </a:defRPr>
     </a:lvl9pPr>
   </p:defaultTextStyle>
+  <p:extLst>
+    <p:ext uri="{EFAFB233-063F-42B5-8137-9DF3F51BA10A}">
+      <p15:sldGuideLst xmlns:p15="http://schemas.microsoft.com/office/powerpoint/2012/main"/>
+    </p:ext>
+  </p:extLst>
 </p:presentation>
+</file>
+
+<file path=ppt/handoutMasters/handoutMaster1.xml><?xml version="1.0" encoding="utf-8"?>
+<p:handoutMaster xmlns:a="http://schemas.openxmlformats.org/drawingml/2006/main" xmlns:r="http://schemas.openxmlformats.org/officeDocument/2006/relationships" xmlns:p="http://schemas.openxmlformats.org/presentationml/2006/main">
+  <p:cSld>
+    <p:bg>
+      <p:bgRef idx="1001">
+        <a:schemeClr val="bg1"/>
+      </p:bgRef>
+    </p:bg>
+    <p:spTree>
+      <p:nvGrpSpPr>
+        <p:cNvPr id="1" name=""/>
+        <p:cNvGrpSpPr/>
+        <p:nvPr/>
+      </p:nvGrpSpPr>
+      <p:grpSpPr>
+        <a:xfrm>
+          <a:off x="0" y="0"/>
+          <a:ext cx="0" cy="0"/>
+          <a:chOff x="0" y="0"/>
+          <a:chExt cx="0" cy="0"/>
+        </a:xfrm>
+      </p:grpSpPr>
+      <p:sp>
+        <p:nvSpPr>
+          <p:cNvPr id="2" name="页眉占位符 1">
+            <a:extLst>
+              <a:ext uri="{FF2B5EF4-FFF2-40B4-BE49-F238E27FC236}">
+                <a16:creationId xmlns:a16="http://schemas.microsoft.com/office/drawing/2014/main" id="{759CBEE4-4C0F-3F40-BB5B-65E3C9037352}"/>
+              </a:ext>
+            </a:extLst>
+          </p:cNvPr>
+          <p:cNvSpPr>
+            <a:spLocks noGrp="1"/>
+          </p:cNvSpPr>
+          <p:nvPr>
+            <p:ph type="hdr" sz="quarter"/>
+          </p:nvPr>
+        </p:nvSpPr>
+        <p:spPr>
+          <a:xfrm>
+            <a:off x="0" y="0"/>
+            <a:ext cx="2971800" cy="458788"/>
+          </a:xfrm>
+          <a:prstGeom prst="rect">
+            <a:avLst/>
+          </a:prstGeom>
+        </p:spPr>
+        <p:txBody>
+          <a:bodyPr vert="horz" lIns="91440" tIns="45720" rIns="91440" bIns="45720" rtlCol="0"/>
+          <a:lstStyle>
+            <a:lvl1pPr algn="l">
+              <a:defRPr sz="1200"/>
+            </a:lvl1pPr>
+          </a:lstStyle>
+          <a:p>
+            <a:r>
+              <a:rPr kumimoji="1" lang="zh-CN" altLang="en-US"/>
+              <a:t>骰子人工智能</a:t>
+            </a:r>
+          </a:p>
+        </p:txBody>
+      </p:sp>
+      <p:sp>
+        <p:nvSpPr>
+          <p:cNvPr id="3" name="日期占位符 2">
+            <a:extLst>
+              <a:ext uri="{FF2B5EF4-FFF2-40B4-BE49-F238E27FC236}">
+                <a16:creationId xmlns:a16="http://schemas.microsoft.com/office/drawing/2014/main" id="{B635E101-F953-E94E-BA2C-37F9DE9B9690}"/>
+              </a:ext>
+            </a:extLst>
+          </p:cNvPr>
+          <p:cNvSpPr>
+            <a:spLocks noGrp="1"/>
+          </p:cNvSpPr>
+          <p:nvPr>
+            <p:ph type="dt" sz="quarter" idx="1"/>
+          </p:nvPr>
+        </p:nvSpPr>
+        <p:spPr>
+          <a:xfrm>
+            <a:off x="3884613" y="0"/>
+            <a:ext cx="2971800" cy="458788"/>
+          </a:xfrm>
+          <a:prstGeom prst="rect">
+            <a:avLst/>
+          </a:prstGeom>
+        </p:spPr>
+        <p:txBody>
+          <a:bodyPr vert="horz" lIns="91440" tIns="45720" rIns="91440" bIns="45720" rtlCol="0"/>
+          <a:lstStyle>
+            <a:lvl1pPr algn="r">
+              <a:defRPr sz="1200"/>
+            </a:lvl1pPr>
+          </a:lstStyle>
+          <a:p>
+            <a:fld id="{593F4049-CF41-9340-921C-9E953AEBC91D}" type="datetimeFigureOut">
+              <a:rPr kumimoji="1" lang="zh-CN" altLang="en-US" smtClean="0"/>
+              <a:t>2020/9/21</a:t>
+            </a:fld>
+            <a:endParaRPr kumimoji="1" lang="zh-CN" altLang="en-US"/>
+          </a:p>
+        </p:txBody>
+      </p:sp>
+      <p:sp>
+        <p:nvSpPr>
+          <p:cNvPr id="4" name="页脚占位符 3">
+            <a:extLst>
+              <a:ext uri="{FF2B5EF4-FFF2-40B4-BE49-F238E27FC236}">
+                <a16:creationId xmlns:a16="http://schemas.microsoft.com/office/drawing/2014/main" id="{9A06290A-E413-624E-A4C1-701D9CBC1C5F}"/>
+              </a:ext>
+            </a:extLst>
+          </p:cNvPr>
+          <p:cNvSpPr>
+            <a:spLocks noGrp="1"/>
+          </p:cNvSpPr>
+          <p:nvPr>
+            <p:ph type="ftr" sz="quarter" idx="2"/>
+          </p:nvPr>
+        </p:nvSpPr>
+        <p:spPr>
+          <a:xfrm>
+            <a:off x="0" y="8685213"/>
+            <a:ext cx="2971800" cy="458787"/>
+          </a:xfrm>
+          <a:prstGeom prst="rect">
+            <a:avLst/>
+          </a:prstGeom>
+        </p:spPr>
+        <p:txBody>
+          <a:bodyPr vert="horz" lIns="91440" tIns="45720" rIns="91440" bIns="45720" rtlCol="0" anchor="b"/>
+          <a:lstStyle>
+            <a:lvl1pPr algn="l">
+              <a:defRPr sz="1200"/>
+            </a:lvl1pPr>
+          </a:lstStyle>
+          <a:p>
+            <a:endParaRPr kumimoji="1" lang="zh-CN" altLang="en-US"/>
+          </a:p>
+        </p:txBody>
+      </p:sp>
+      <p:sp>
+        <p:nvSpPr>
+          <p:cNvPr id="5" name="灯片编号占位符 4">
+            <a:extLst>
+              <a:ext uri="{FF2B5EF4-FFF2-40B4-BE49-F238E27FC236}">
+                <a16:creationId xmlns:a16="http://schemas.microsoft.com/office/drawing/2014/main" id="{F469756C-2436-AA45-BACD-278E6C38C4B4}"/>
+              </a:ext>
+            </a:extLst>
+          </p:cNvPr>
+          <p:cNvSpPr>
+            <a:spLocks noGrp="1"/>
+          </p:cNvSpPr>
+          <p:nvPr>
+            <p:ph type="sldNum" sz="quarter" idx="3"/>
+          </p:nvPr>
+        </p:nvSpPr>
+        <p:spPr>
+          <a:xfrm>
+            <a:off x="3884613" y="8685213"/>
+            <a:ext cx="2971800" cy="458787"/>
+          </a:xfrm>
+          <a:prstGeom prst="rect">
+            <a:avLst/>
+          </a:prstGeom>
+        </p:spPr>
+        <p:txBody>
+          <a:bodyPr vert="horz" lIns="91440" tIns="45720" rIns="91440" bIns="45720" rtlCol="0" anchor="b"/>
+          <a:lstStyle>
+            <a:lvl1pPr algn="r">
+              <a:defRPr sz="1200"/>
+            </a:lvl1pPr>
+          </a:lstStyle>
+          <a:p>
+            <a:fld id="{0406891C-4D61-F042-9F1B-34C94835B7B3}" type="slidenum">
+              <a:rPr kumimoji="1" lang="zh-CN" altLang="en-US" smtClean="0"/>
+              <a:t>‹#›</a:t>
+            </a:fld>
+            <a:endParaRPr kumimoji="1" lang="zh-CN" altLang="en-US"/>
+          </a:p>
+        </p:txBody>
+      </p:sp>
+    </p:spTree>
+    <p:extLst>
+      <p:ext uri="{BB962C8B-B14F-4D97-AF65-F5344CB8AC3E}">
+        <p14:creationId xmlns:p14="http://schemas.microsoft.com/office/powerpoint/2010/main" val="2901652156"/>
+      </p:ext>
+    </p:extLst>
+  </p:cSld>
+  <p:clrMap bg1="lt1" tx1="dk1" bg2="lt2" tx2="dk2" accent1="accent1" accent2="accent2" accent3="accent3" accent4="accent4" accent5="accent5" accent6="accent6" hlink="hlink" folHlink="folHlink"/>
+  <p:hf hdr="0" ftr="0" dt="0"/>
+</p:handoutMaster>
+</file>
+
+<file path=ppt/notesMasters/notesMaster1.xml><?xml version="1.0" encoding="utf-8"?>
+<p:notesMaster xmlns:a="http://schemas.openxmlformats.org/drawingml/2006/main" xmlns:r="http://schemas.openxmlformats.org/officeDocument/2006/relationships" xmlns:p="http://schemas.openxmlformats.org/presentationml/2006/main">
+  <p:cSld>
+    <p:bg>
+      <p:bgRef idx="1001">
+        <a:schemeClr val="bg1"/>
+      </p:bgRef>
+    </p:bg>
+    <p:spTree>
+      <p:nvGrpSpPr>
+        <p:cNvPr id="1" name=""/>
+        <p:cNvGrpSpPr/>
+        <p:nvPr/>
+      </p:nvGrpSpPr>
+      <p:grpSpPr>
+        <a:xfrm>
+          <a:off x="0" y="0"/>
+          <a:ext cx="0" cy="0"/>
+          <a:chOff x="0" y="0"/>
+          <a:chExt cx="0" cy="0"/>
+        </a:xfrm>
+      </p:grpSpPr>
+      <p:sp>
+        <p:nvSpPr>
+          <p:cNvPr id="2" name="页眉占位符 1"/>
+          <p:cNvSpPr>
+            <a:spLocks noGrp="1"/>
+          </p:cNvSpPr>
+          <p:nvPr>
+            <p:ph type="hdr" sz="quarter"/>
+          </p:nvPr>
+        </p:nvSpPr>
+        <p:spPr>
+          <a:xfrm>
+            <a:off x="0" y="0"/>
+            <a:ext cx="2971800" cy="458788"/>
+          </a:xfrm>
+          <a:prstGeom prst="rect">
+            <a:avLst/>
+          </a:prstGeom>
+        </p:spPr>
+        <p:txBody>
+          <a:bodyPr vert="horz" lIns="91440" tIns="45720" rIns="91440" bIns="45720" rtlCol="0"/>
+          <a:lstStyle>
+            <a:lvl1pPr algn="l">
+              <a:defRPr sz="1200"/>
+            </a:lvl1pPr>
+          </a:lstStyle>
+          <a:p>
+            <a:r>
+              <a:rPr kumimoji="1" lang="zh-CN" altLang="en-US"/>
+              <a:t>骰子人工智能</a:t>
+            </a:r>
+          </a:p>
+        </p:txBody>
+      </p:sp>
+      <p:sp>
+        <p:nvSpPr>
+          <p:cNvPr id="3" name="日期占位符 2"/>
+          <p:cNvSpPr>
+            <a:spLocks noGrp="1"/>
+          </p:cNvSpPr>
+          <p:nvPr>
+            <p:ph type="dt" idx="1"/>
+          </p:nvPr>
+        </p:nvSpPr>
+        <p:spPr>
+          <a:xfrm>
+            <a:off x="3884613" y="0"/>
+            <a:ext cx="2971800" cy="458788"/>
+          </a:xfrm>
+          <a:prstGeom prst="rect">
+            <a:avLst/>
+          </a:prstGeom>
+        </p:spPr>
+        <p:txBody>
+          <a:bodyPr vert="horz" lIns="91440" tIns="45720" rIns="91440" bIns="45720" rtlCol="0"/>
+          <a:lstStyle>
+            <a:lvl1pPr algn="r">
+              <a:defRPr sz="1200"/>
+            </a:lvl1pPr>
+          </a:lstStyle>
+          <a:p>
+            <a:fld id="{773ADF60-34E7-844F-99D8-BAD0570EEDCD}" type="datetimeFigureOut">
+              <a:rPr kumimoji="1" lang="zh-CN" altLang="en-US" smtClean="0"/>
+              <a:t>2020/9/21</a:t>
+            </a:fld>
+            <a:endParaRPr kumimoji="1" lang="zh-CN" altLang="en-US"/>
+          </a:p>
+        </p:txBody>
+      </p:sp>
+      <p:sp>
+        <p:nvSpPr>
+          <p:cNvPr id="4" name="幻灯片图像占位符 3"/>
+          <p:cNvSpPr>
+            <a:spLocks noGrp="1" noRot="1" noChangeAspect="1"/>
+          </p:cNvSpPr>
+          <p:nvPr>
+            <p:ph type="sldImg" idx="2"/>
+          </p:nvPr>
+        </p:nvSpPr>
+        <p:spPr>
+          <a:xfrm>
+            <a:off x="685800" y="1143000"/>
+            <a:ext cx="5486400" cy="3086100"/>
+          </a:xfrm>
+          <a:prstGeom prst="rect">
+            <a:avLst/>
+          </a:prstGeom>
+          <a:noFill/>
+          <a:ln w="12700">
+            <a:solidFill>
+              <a:prstClr val="black"/>
+            </a:solidFill>
+          </a:ln>
+        </p:spPr>
+        <p:txBody>
+          <a:bodyPr vert="horz" lIns="91440" tIns="45720" rIns="91440" bIns="45720" rtlCol="0" anchor="ctr"/>
+          <a:lstStyle/>
+          <a:p>
+            <a:endParaRPr lang="zh-CN" altLang="en-US"/>
+          </a:p>
+        </p:txBody>
+      </p:sp>
+      <p:sp>
+        <p:nvSpPr>
+          <p:cNvPr id="5" name="备注占位符 4"/>
+          <p:cNvSpPr>
+            <a:spLocks noGrp="1"/>
+          </p:cNvSpPr>
+          <p:nvPr>
+            <p:ph type="body" sz="quarter" idx="3"/>
+          </p:nvPr>
+        </p:nvSpPr>
+        <p:spPr>
+          <a:xfrm>
+            <a:off x="685800" y="4400550"/>
+            <a:ext cx="5486400" cy="3600450"/>
+          </a:xfrm>
+          <a:prstGeom prst="rect">
+            <a:avLst/>
+          </a:prstGeom>
+        </p:spPr>
+        <p:txBody>
+          <a:bodyPr vert="horz" lIns="91440" tIns="45720" rIns="91440" bIns="45720" rtlCol="0"/>
+          <a:lstStyle/>
+          <a:p>
+            <a:r>
+              <a:rPr kumimoji="1" lang="zh-CN" altLang="en-US"/>
+              <a:t>编辑母版文本样式
+第二级
+第三级
+第四级
+第五级</a:t>
+            </a:r>
+          </a:p>
+        </p:txBody>
+      </p:sp>
+      <p:sp>
+        <p:nvSpPr>
+          <p:cNvPr id="6" name="页脚占位符 5"/>
+          <p:cNvSpPr>
+            <a:spLocks noGrp="1"/>
+          </p:cNvSpPr>
+          <p:nvPr>
+            <p:ph type="ftr" sz="quarter" idx="4"/>
+          </p:nvPr>
+        </p:nvSpPr>
+        <p:spPr>
+          <a:xfrm>
+            <a:off x="0" y="8685213"/>
+            <a:ext cx="2971800" cy="458787"/>
+          </a:xfrm>
+          <a:prstGeom prst="rect">
+            <a:avLst/>
+          </a:prstGeom>
+        </p:spPr>
+        <p:txBody>
+          <a:bodyPr vert="horz" lIns="91440" tIns="45720" rIns="91440" bIns="45720" rtlCol="0" anchor="b"/>
+          <a:lstStyle>
+            <a:lvl1pPr algn="l">
+              <a:defRPr sz="1200"/>
+            </a:lvl1pPr>
+          </a:lstStyle>
+          <a:p>
+            <a:endParaRPr kumimoji="1" lang="zh-CN" altLang="en-US"/>
+          </a:p>
+        </p:txBody>
+      </p:sp>
+      <p:sp>
+        <p:nvSpPr>
+          <p:cNvPr id="7" name="灯片编号占位符 6"/>
+          <p:cNvSpPr>
+            <a:spLocks noGrp="1"/>
+          </p:cNvSpPr>
+          <p:nvPr>
+            <p:ph type="sldNum" sz="quarter" idx="5"/>
+          </p:nvPr>
+        </p:nvSpPr>
+        <p:spPr>
+          <a:xfrm>
+            <a:off x="3884613" y="8685213"/>
+            <a:ext cx="2971800" cy="458787"/>
+          </a:xfrm>
+          <a:prstGeom prst="rect">
+            <a:avLst/>
+          </a:prstGeom>
+        </p:spPr>
+        <p:txBody>
+          <a:bodyPr vert="horz" lIns="91440" tIns="45720" rIns="91440" bIns="45720" rtlCol="0" anchor="b"/>
+          <a:lstStyle>
+            <a:lvl1pPr algn="r">
+              <a:defRPr sz="1200"/>
+            </a:lvl1pPr>
+          </a:lstStyle>
+          <a:p>
+            <a:fld id="{A0D69D0C-58E7-D148-9138-3A3264020D0F}" type="slidenum">
+              <a:rPr kumimoji="1" lang="zh-CN" altLang="en-US" smtClean="0"/>
+              <a:t>‹#›</a:t>
+            </a:fld>
+            <a:endParaRPr kumimoji="1" lang="zh-CN" altLang="en-US"/>
+          </a:p>
+        </p:txBody>
+      </p:sp>
+    </p:spTree>
+    <p:extLst>
+      <p:ext uri="{BB962C8B-B14F-4D97-AF65-F5344CB8AC3E}">
+        <p14:creationId xmlns:p14="http://schemas.microsoft.com/office/powerpoint/2010/main" val="3589660135"/>
+      </p:ext>
+    </p:extLst>
+  </p:cSld>
+  <p:clrMap bg1="lt1" tx1="dk1" bg2="lt2" tx2="dk2" accent1="accent1" accent2="accent2" accent3="accent3" accent4="accent4" accent5="accent5" accent6="accent6" hlink="hlink" folHlink="folHlink"/>
+  <p:hf hdr="0" ftr="0" dt="0"/>
+  <p:notesStyle>
+    <a:lvl1pPr marL="0" algn="l" defTabSz="914400" rtl="0" eaLnBrk="1" latinLnBrk="0" hangingPunct="1">
+      <a:defRPr sz="1200" kern="1200">
+        <a:solidFill>
+          <a:schemeClr val="tx1"/>
+        </a:solidFill>
+        <a:latin typeface="+mn-lt"/>
+        <a:ea typeface="+mn-ea"/>
+        <a:cs typeface="+mn-cs"/>
+      </a:defRPr>
+    </a:lvl1pPr>
+    <a:lvl2pPr marL="457200" algn="l" defTabSz="914400" rtl="0" eaLnBrk="1" latinLnBrk="0" hangingPunct="1">
+      <a:defRPr sz="1200" kern="1200">
+        <a:solidFill>
+          <a:schemeClr val="tx1"/>
+        </a:solidFill>
+        <a:latin typeface="+mn-lt"/>
+        <a:ea typeface="+mn-ea"/>
+        <a:cs typeface="+mn-cs"/>
+      </a:defRPr>
+    </a:lvl2pPr>
+    <a:lvl3pPr marL="914400" algn="l" defTabSz="914400" rtl="0" eaLnBrk="1" latinLnBrk="0" hangingPunct="1">
+      <a:defRPr sz="1200" kern="1200">
+        <a:solidFill>
+          <a:schemeClr val="tx1"/>
+        </a:solidFill>
+        <a:latin typeface="+mn-lt"/>
+        <a:ea typeface="+mn-ea"/>
+        <a:cs typeface="+mn-cs"/>
+      </a:defRPr>
+    </a:lvl3pPr>
+    <a:lvl4pPr marL="1371600" algn="l" defTabSz="914400" rtl="0" eaLnBrk="1" latinLnBrk="0" hangingPunct="1">
+      <a:defRPr sz="1200" kern="1200">
+        <a:solidFill>
+          <a:schemeClr val="tx1"/>
+        </a:solidFill>
+        <a:latin typeface="+mn-lt"/>
+        <a:ea typeface="+mn-ea"/>
+        <a:cs typeface="+mn-cs"/>
+      </a:defRPr>
+    </a:lvl4pPr>
+    <a:lvl5pPr marL="1828800" algn="l" defTabSz="914400" rtl="0" eaLnBrk="1" latinLnBrk="0" hangingPunct="1">
+      <a:defRPr sz="1200" kern="1200">
+        <a:solidFill>
+          <a:schemeClr val="tx1"/>
+        </a:solidFill>
+        <a:latin typeface="+mn-lt"/>
+        <a:ea typeface="+mn-ea"/>
+        <a:cs typeface="+mn-cs"/>
+      </a:defRPr>
+    </a:lvl5pPr>
+    <a:lvl6pPr marL="2286000" algn="l" defTabSz="914400" rtl="0" eaLnBrk="1" latinLnBrk="0" hangingPunct="1">
+      <a:defRPr sz="1200" kern="1200">
+        <a:solidFill>
+          <a:schemeClr val="tx1"/>
+        </a:solidFill>
+        <a:latin typeface="+mn-lt"/>
+        <a:ea typeface="+mn-ea"/>
+        <a:cs typeface="+mn-cs"/>
+      </a:defRPr>
+    </a:lvl6pPr>
+    <a:lvl7pPr marL="2743200" algn="l" defTabSz="914400" rtl="0" eaLnBrk="1" latinLnBrk="0" hangingPunct="1">
+      <a:defRPr sz="1200" kern="1200">
+        <a:solidFill>
+          <a:schemeClr val="tx1"/>
+        </a:solidFill>
+        <a:latin typeface="+mn-lt"/>
+        <a:ea typeface="+mn-ea"/>
+        <a:cs typeface="+mn-cs"/>
+      </a:defRPr>
+    </a:lvl7pPr>
+    <a:lvl8pPr marL="3200400" algn="l" defTabSz="914400" rtl="0" eaLnBrk="1" latinLnBrk="0" hangingPunct="1">
+      <a:defRPr sz="1200" kern="1200">
+        <a:solidFill>
+          <a:schemeClr val="tx1"/>
+        </a:solidFill>
+        <a:latin typeface="+mn-lt"/>
+        <a:ea typeface="+mn-ea"/>
+        <a:cs typeface="+mn-cs"/>
+      </a:defRPr>
+    </a:lvl8pPr>
+    <a:lvl9pPr marL="3657600" algn="l" defTabSz="914400" rtl="0" eaLnBrk="1" latinLnBrk="0" hangingPunct="1">
+      <a:defRPr sz="1200" kern="1200">
+        <a:solidFill>
+          <a:schemeClr val="tx1"/>
+        </a:solidFill>
+        <a:latin typeface="+mn-lt"/>
+        <a:ea typeface="+mn-ea"/>
+        <a:cs typeface="+mn-cs"/>
+      </a:defRPr>
+    </a:lvl9pPr>
+  </p:notesStyle>
+</p:notesMaster>
 </file>
 
 <file path=ppt/slideLayouts/slideLayout1.xml><?xml version="1.0" encoding="utf-8"?>
@@ -249,9 +781,9 @@
           <a:bodyPr/>
           <a:lstStyle/>
           <a:p>
-            <a:fld id="{F5BF4FF5-291B-024B-8EFA-3D19C5D80619}" type="datetimeFigureOut">
+            <a:fld id="{2EA75ED9-19BB-5F4D-9901-AD36885E3C35}" type="datetime1">
               <a:rPr kumimoji="1" lang="zh-CN" altLang="en-US" smtClean="0"/>
-              <a:t>2020/9/3</a:t>
+              <a:t>2020/9/21</a:t>
             </a:fld>
             <a:endParaRPr kumimoji="1" lang="zh-CN" altLang="en-US"/>
           </a:p>
@@ -277,6 +809,26 @@
           <a:bodyPr/>
           <a:lstStyle/>
           <a:p>
+            <a:r>
+              <a:rPr kumimoji="1" lang="zh-CN" altLang="en-US"/>
+              <a:t>骰子人工智能 </a:t>
+            </a:r>
+            <a:r>
+              <a:rPr kumimoji="1" lang="en" altLang="zh-CN"/>
+              <a:t>B</a:t>
+            </a:r>
+            <a:r>
+              <a:rPr kumimoji="1" lang="zh-CN" altLang="en-US"/>
+              <a:t>站主页</a:t>
+            </a:r>
+            <a:r>
+              <a:rPr kumimoji="1" lang="en-US" altLang="zh-CN"/>
+              <a:t>:</a:t>
+            </a:r>
+            <a:r>
+              <a:rPr kumimoji="1" lang="en" altLang="zh-CN"/>
+              <a:t>https://space.bilibili.com/497998686</a:t>
+            </a:r>
             <a:endParaRPr kumimoji="1" lang="zh-CN" altLang="en-US"/>
           </a:p>
         </p:txBody>
@@ -343,7 +895,7 @@
     </p:spTree>
     <p:extLst>
       <p:ext uri="{BB962C8B-B14F-4D97-AF65-F5344CB8AC3E}">
-        <p14:creationId xmlns:p14="http://schemas.microsoft.com/office/powerpoint/2010/main" val="534195525"/>
+        <p14:creationId xmlns:p14="http://schemas.microsoft.com/office/powerpoint/2010/main" val="2851252935"/>
       </p:ext>
     </p:extLst>
   </p:cSld>
@@ -436,9 +988,9 @@
           <a:bodyPr/>
           <a:lstStyle/>
           <a:p>
-            <a:fld id="{F5BF4FF5-291B-024B-8EFA-3D19C5D80619}" type="datetimeFigureOut">
+            <a:fld id="{C4BB4DD4-6E9E-D943-B89D-24AB2A9A37AF}" type="datetime1">
               <a:rPr kumimoji="1" lang="zh-CN" altLang="en-US" smtClean="0"/>
-              <a:t>2020/9/3</a:t>
+              <a:t>2020/9/21</a:t>
             </a:fld>
             <a:endParaRPr kumimoji="1" lang="zh-CN" altLang="en-US"/>
           </a:p>
@@ -459,6 +1011,26 @@
           <a:bodyPr/>
           <a:lstStyle/>
           <a:p>
+            <a:r>
+              <a:rPr kumimoji="1" lang="zh-CN" altLang="en-US"/>
+              <a:t>骰子人工智能 </a:t>
+            </a:r>
+            <a:r>
+              <a:rPr kumimoji="1" lang="en" altLang="zh-CN"/>
+              <a:t>B</a:t>
+            </a:r>
+            <a:r>
+              <a:rPr kumimoji="1" lang="zh-CN" altLang="en-US"/>
+              <a:t>站主页</a:t>
+            </a:r>
+            <a:r>
+              <a:rPr kumimoji="1" lang="en-US" altLang="zh-CN"/>
+              <a:t>:</a:t>
+            </a:r>
+            <a:r>
+              <a:rPr kumimoji="1" lang="en" altLang="zh-CN"/>
+              <a:t>https://space.bilibili.com/497998686</a:t>
+            </a:r>
             <a:endParaRPr kumimoji="1" lang="zh-CN" altLang="en-US"/>
           </a:p>
         </p:txBody>
@@ -520,7 +1092,7 @@
     </p:spTree>
     <p:extLst>
       <p:ext uri="{BB962C8B-B14F-4D97-AF65-F5344CB8AC3E}">
-        <p14:creationId xmlns:p14="http://schemas.microsoft.com/office/powerpoint/2010/main" val="3366100627"/>
+        <p14:creationId xmlns:p14="http://schemas.microsoft.com/office/powerpoint/2010/main" val="414756231"/>
       </p:ext>
     </p:extLst>
   </p:cSld>
@@ -627,9 +1199,9 @@
           <a:bodyPr/>
           <a:lstStyle/>
           <a:p>
-            <a:fld id="{F5BF4FF5-291B-024B-8EFA-3D19C5D80619}" type="datetimeFigureOut">
+            <a:fld id="{0D5B46DE-5891-CD47-9D1B-D1B2EC42C04F}" type="datetime1">
               <a:rPr kumimoji="1" lang="zh-CN" altLang="en-US" smtClean="0"/>
-              <a:t>2020/9/3</a:t>
+              <a:t>2020/9/21</a:t>
             </a:fld>
             <a:endParaRPr kumimoji="1" lang="zh-CN" altLang="en-US"/>
           </a:p>
@@ -650,6 +1222,26 @@
           <a:bodyPr/>
           <a:lstStyle/>
           <a:p>
+            <a:r>
+              <a:rPr kumimoji="1" lang="zh-CN" altLang="en-US"/>
+              <a:t>骰子人工智能 </a:t>
+            </a:r>
+            <a:r>
+              <a:rPr kumimoji="1" lang="en" altLang="zh-CN"/>
+              <a:t>B</a:t>
+            </a:r>
+            <a:r>
+              <a:rPr kumimoji="1" lang="zh-CN" altLang="en-US"/>
+              <a:t>站主页</a:t>
+            </a:r>
+            <a:r>
+              <a:rPr kumimoji="1" lang="en-US" altLang="zh-CN"/>
+              <a:t>:</a:t>
+            </a:r>
+            <a:r>
+              <a:rPr kumimoji="1" lang="en" altLang="zh-CN"/>
+              <a:t>https://space.bilibili.com/497998686</a:t>
+            </a:r>
             <a:endParaRPr kumimoji="1" lang="zh-CN" altLang="en-US"/>
           </a:p>
         </p:txBody>
@@ -711,7 +1303,7 @@
     </p:spTree>
     <p:extLst>
       <p:ext uri="{BB962C8B-B14F-4D97-AF65-F5344CB8AC3E}">
-        <p14:creationId xmlns:p14="http://schemas.microsoft.com/office/powerpoint/2010/main" val="2719897313"/>
+        <p14:creationId xmlns:p14="http://schemas.microsoft.com/office/powerpoint/2010/main" val="1612745197"/>
       </p:ext>
     </p:extLst>
   </p:cSld>
@@ -804,9 +1396,9 @@
           <a:bodyPr/>
           <a:lstStyle/>
           <a:p>
-            <a:fld id="{F5BF4FF5-291B-024B-8EFA-3D19C5D80619}" type="datetimeFigureOut">
+            <a:fld id="{082B5EBB-9513-B549-A64B-B896B99CBF61}" type="datetime1">
               <a:rPr kumimoji="1" lang="zh-CN" altLang="en-US" smtClean="0"/>
-              <a:t>2020/9/3</a:t>
+              <a:t>2020/9/21</a:t>
             </a:fld>
             <a:endParaRPr kumimoji="1" lang="zh-CN" altLang="en-US"/>
           </a:p>
@@ -827,6 +1419,26 @@
           <a:bodyPr/>
           <a:lstStyle/>
           <a:p>
+            <a:r>
+              <a:rPr kumimoji="1" lang="zh-CN" altLang="en-US"/>
+              <a:t>骰子人工智能 </a:t>
+            </a:r>
+            <a:r>
+              <a:rPr kumimoji="1" lang="en" altLang="zh-CN"/>
+              <a:t>B</a:t>
+            </a:r>
+            <a:r>
+              <a:rPr kumimoji="1" lang="zh-CN" altLang="en-US"/>
+              <a:t>站主页</a:t>
+            </a:r>
+            <a:r>
+              <a:rPr kumimoji="1" lang="en-US" altLang="zh-CN"/>
+              <a:t>:</a:t>
+            </a:r>
+            <a:r>
+              <a:rPr kumimoji="1" lang="en" altLang="zh-CN"/>
+              <a:t>https://space.bilibili.com/497998686</a:t>
+            </a:r>
             <a:endParaRPr kumimoji="1" lang="zh-CN" altLang="en-US"/>
           </a:p>
         </p:txBody>
@@ -888,7 +1500,7 @@
     </p:spTree>
     <p:extLst>
       <p:ext uri="{BB962C8B-B14F-4D97-AF65-F5344CB8AC3E}">
-        <p14:creationId xmlns:p14="http://schemas.microsoft.com/office/powerpoint/2010/main" val="1524364818"/>
+        <p14:creationId xmlns:p14="http://schemas.microsoft.com/office/powerpoint/2010/main" val="1878535970"/>
       </p:ext>
     </p:extLst>
   </p:cSld>
@@ -1088,9 +1700,9 @@
           <a:bodyPr/>
           <a:lstStyle/>
           <a:p>
-            <a:fld id="{F5BF4FF5-291B-024B-8EFA-3D19C5D80619}" type="datetimeFigureOut">
+            <a:fld id="{BE3EFAB8-AE3D-D641-A0A8-3EB5F36659B7}" type="datetime1">
               <a:rPr kumimoji="1" lang="zh-CN" altLang="en-US" smtClean="0"/>
-              <a:t>2020/9/3</a:t>
+              <a:t>2020/9/21</a:t>
             </a:fld>
             <a:endParaRPr kumimoji="1" lang="zh-CN" altLang="en-US"/>
           </a:p>
@@ -1111,6 +1723,26 @@
           <a:bodyPr/>
           <a:lstStyle/>
           <a:p>
+            <a:r>
+              <a:rPr kumimoji="1" lang="zh-CN" altLang="en-US"/>
+              <a:t>骰子人工智能 </a:t>
+            </a:r>
+            <a:r>
+              <a:rPr kumimoji="1" lang="en" altLang="zh-CN"/>
+              <a:t>B</a:t>
+            </a:r>
+            <a:r>
+              <a:rPr kumimoji="1" lang="zh-CN" altLang="en-US"/>
+              <a:t>站主页</a:t>
+            </a:r>
+            <a:r>
+              <a:rPr kumimoji="1" lang="en-US" altLang="zh-CN"/>
+              <a:t>:</a:t>
+            </a:r>
+            <a:r>
+              <a:rPr kumimoji="1" lang="en" altLang="zh-CN"/>
+              <a:t>https://space.bilibili.com/497998686</a:t>
+            </a:r>
             <a:endParaRPr kumimoji="1" lang="zh-CN" altLang="en-US"/>
           </a:p>
         </p:txBody>
@@ -1172,7 +1804,7 @@
     </p:spTree>
     <p:extLst>
       <p:ext uri="{BB962C8B-B14F-4D97-AF65-F5344CB8AC3E}">
-        <p14:creationId xmlns:p14="http://schemas.microsoft.com/office/powerpoint/2010/main" val="2711806749"/>
+        <p14:creationId xmlns:p14="http://schemas.microsoft.com/office/powerpoint/2010/main" val="202568002"/>
       </p:ext>
     </p:extLst>
   </p:cSld>
@@ -1308,9 +1940,9 @@
           <a:bodyPr/>
           <a:lstStyle/>
           <a:p>
-            <a:fld id="{F5BF4FF5-291B-024B-8EFA-3D19C5D80619}" type="datetimeFigureOut">
+            <a:fld id="{1688B979-6DBC-2948-8153-66809E3D9335}" type="datetime1">
               <a:rPr kumimoji="1" lang="zh-CN" altLang="en-US" smtClean="0"/>
-              <a:t>2020/9/3</a:t>
+              <a:t>2020/9/21</a:t>
             </a:fld>
             <a:endParaRPr kumimoji="1" lang="zh-CN" altLang="en-US"/>
           </a:p>
@@ -1331,6 +1963,26 @@
           <a:bodyPr/>
           <a:lstStyle/>
           <a:p>
+            <a:r>
+              <a:rPr kumimoji="1" lang="zh-CN" altLang="en-US"/>
+              <a:t>骰子人工智能 </a:t>
+            </a:r>
+            <a:r>
+              <a:rPr kumimoji="1" lang="en" altLang="zh-CN"/>
+              <a:t>B</a:t>
+            </a:r>
+            <a:r>
+              <a:rPr kumimoji="1" lang="zh-CN" altLang="en-US"/>
+              <a:t>站主页</a:t>
+            </a:r>
+            <a:r>
+              <a:rPr kumimoji="1" lang="en-US" altLang="zh-CN"/>
+              <a:t>:</a:t>
+            </a:r>
+            <a:r>
+              <a:rPr kumimoji="1" lang="en" altLang="zh-CN"/>
+              <a:t>https://space.bilibili.com/497998686</a:t>
+            </a:r>
             <a:endParaRPr kumimoji="1" lang="zh-CN" altLang="en-US"/>
           </a:p>
         </p:txBody>
@@ -1392,7 +2044,7 @@
     </p:spTree>
     <p:extLst>
       <p:ext uri="{BB962C8B-B14F-4D97-AF65-F5344CB8AC3E}">
-        <p14:creationId xmlns:p14="http://schemas.microsoft.com/office/powerpoint/2010/main" val="1635024621"/>
+        <p14:creationId xmlns:p14="http://schemas.microsoft.com/office/powerpoint/2010/main" val="4173824459"/>
       </p:ext>
     </p:extLst>
   </p:cSld>
@@ -1686,9 +2338,9 @@
           <a:bodyPr/>
           <a:lstStyle/>
           <a:p>
-            <a:fld id="{F5BF4FF5-291B-024B-8EFA-3D19C5D80619}" type="datetimeFigureOut">
+            <a:fld id="{837F8614-31CF-3B41-B927-2A656F1F4AF8}" type="datetime1">
               <a:rPr kumimoji="1" lang="zh-CN" altLang="en-US" smtClean="0"/>
-              <a:t>2020/9/3</a:t>
+              <a:t>2020/9/21</a:t>
             </a:fld>
             <a:endParaRPr kumimoji="1" lang="zh-CN" altLang="en-US"/>
           </a:p>
@@ -1709,6 +2361,26 @@
           <a:bodyPr/>
           <a:lstStyle/>
           <a:p>
+            <a:r>
+              <a:rPr kumimoji="1" lang="zh-CN" altLang="en-US"/>
+              <a:t>骰子人工智能 </a:t>
+            </a:r>
+            <a:r>
+              <a:rPr kumimoji="1" lang="en" altLang="zh-CN"/>
+              <a:t>B</a:t>
+            </a:r>
+            <a:r>
+              <a:rPr kumimoji="1" lang="zh-CN" altLang="en-US"/>
+              <a:t>站主页</a:t>
+            </a:r>
+            <a:r>
+              <a:rPr kumimoji="1" lang="en-US" altLang="zh-CN"/>
+              <a:t>:</a:t>
+            </a:r>
+            <a:r>
+              <a:rPr kumimoji="1" lang="en" altLang="zh-CN"/>
+              <a:t>https://space.bilibili.com/497998686</a:t>
+            </a:r>
             <a:endParaRPr kumimoji="1" lang="zh-CN" altLang="en-US"/>
           </a:p>
         </p:txBody>
@@ -1770,7 +2442,7 @@
     </p:spTree>
     <p:extLst>
       <p:ext uri="{BB962C8B-B14F-4D97-AF65-F5344CB8AC3E}">
-        <p14:creationId xmlns:p14="http://schemas.microsoft.com/office/powerpoint/2010/main" val="1971574482"/>
+        <p14:creationId xmlns:p14="http://schemas.microsoft.com/office/powerpoint/2010/main" val="3330541225"/>
       </p:ext>
     </p:extLst>
   </p:cSld>
@@ -1835,9 +2507,9 @@
           <a:bodyPr/>
           <a:lstStyle/>
           <a:p>
-            <a:fld id="{F5BF4FF5-291B-024B-8EFA-3D19C5D80619}" type="datetimeFigureOut">
+            <a:fld id="{7C439501-8ADE-B644-ABD7-B1E94536C12E}" type="datetime1">
               <a:rPr kumimoji="1" lang="zh-CN" altLang="en-US" smtClean="0"/>
-              <a:t>2020/9/3</a:t>
+              <a:t>2020/9/21</a:t>
             </a:fld>
             <a:endParaRPr kumimoji="1" lang="zh-CN" altLang="en-US"/>
           </a:p>
@@ -1858,6 +2530,26 @@
           <a:bodyPr/>
           <a:lstStyle/>
           <a:p>
+            <a:r>
+              <a:rPr kumimoji="1" lang="zh-CN" altLang="en-US"/>
+              <a:t>骰子人工智能 </a:t>
+            </a:r>
+            <a:r>
+              <a:rPr kumimoji="1" lang="en" altLang="zh-CN"/>
+              <a:t>B</a:t>
+            </a:r>
+            <a:r>
+              <a:rPr kumimoji="1" lang="zh-CN" altLang="en-US"/>
+              <a:t>站主页</a:t>
+            </a:r>
+            <a:r>
+              <a:rPr kumimoji="1" lang="en-US" altLang="zh-CN"/>
+              <a:t>:</a:t>
+            </a:r>
+            <a:r>
+              <a:rPr kumimoji="1" lang="en" altLang="zh-CN"/>
+              <a:t>https://space.bilibili.com/497998686</a:t>
+            </a:r>
             <a:endParaRPr kumimoji="1" lang="zh-CN" altLang="en-US"/>
           </a:p>
         </p:txBody>
@@ -1919,7 +2611,7 @@
     </p:spTree>
     <p:extLst>
       <p:ext uri="{BB962C8B-B14F-4D97-AF65-F5344CB8AC3E}">
-        <p14:creationId xmlns:p14="http://schemas.microsoft.com/office/powerpoint/2010/main" val="415176305"/>
+        <p14:creationId xmlns:p14="http://schemas.microsoft.com/office/powerpoint/2010/main" val="2014511083"/>
       </p:ext>
     </p:extLst>
   </p:cSld>
@@ -1961,9 +2653,9 @@
           <a:bodyPr/>
           <a:lstStyle/>
           <a:p>
-            <a:fld id="{F5BF4FF5-291B-024B-8EFA-3D19C5D80619}" type="datetimeFigureOut">
+            <a:fld id="{17E09F12-85EB-2040-A1E1-F149339CDB47}" type="datetime1">
               <a:rPr kumimoji="1" lang="zh-CN" altLang="en-US" smtClean="0"/>
-              <a:t>2020/9/3</a:t>
+              <a:t>2020/9/21</a:t>
             </a:fld>
             <a:endParaRPr kumimoji="1" lang="zh-CN" altLang="en-US"/>
           </a:p>
@@ -1984,6 +2676,26 @@
           <a:bodyPr/>
           <a:lstStyle/>
           <a:p>
+            <a:r>
+              <a:rPr kumimoji="1" lang="zh-CN" altLang="en-US"/>
+              <a:t>骰子人工智能 </a:t>
+            </a:r>
+            <a:r>
+              <a:rPr kumimoji="1" lang="en" altLang="zh-CN"/>
+              <a:t>B</a:t>
+            </a:r>
+            <a:r>
+              <a:rPr kumimoji="1" lang="zh-CN" altLang="en-US"/>
+              <a:t>站主页</a:t>
+            </a:r>
+            <a:r>
+              <a:rPr kumimoji="1" lang="en-US" altLang="zh-CN"/>
+              <a:t>:</a:t>
+            </a:r>
+            <a:r>
+              <a:rPr kumimoji="1" lang="en" altLang="zh-CN"/>
+              <a:t>https://space.bilibili.com/497998686</a:t>
+            </a:r>
             <a:endParaRPr kumimoji="1" lang="zh-CN" altLang="en-US"/>
           </a:p>
         </p:txBody>
@@ -2014,7 +2726,7 @@
     </p:spTree>
     <p:extLst>
       <p:ext uri="{BB962C8B-B14F-4D97-AF65-F5344CB8AC3E}">
-        <p14:creationId xmlns:p14="http://schemas.microsoft.com/office/powerpoint/2010/main" val="620475761"/>
+        <p14:creationId xmlns:p14="http://schemas.microsoft.com/office/powerpoint/2010/main" val="3420923774"/>
       </p:ext>
     </p:extLst>
   </p:cSld>
@@ -2193,9 +2905,9 @@
           <a:bodyPr/>
           <a:lstStyle/>
           <a:p>
-            <a:fld id="{F5BF4FF5-291B-024B-8EFA-3D19C5D80619}" type="datetimeFigureOut">
+            <a:fld id="{9CEAFC40-9230-BA41-A728-8560177B4312}" type="datetime1">
               <a:rPr kumimoji="1" lang="zh-CN" altLang="en-US" smtClean="0"/>
-              <a:t>2020/9/3</a:t>
+              <a:t>2020/9/21</a:t>
             </a:fld>
             <a:endParaRPr kumimoji="1" lang="zh-CN" altLang="en-US"/>
           </a:p>
@@ -2216,6 +2928,26 @@
           <a:bodyPr/>
           <a:lstStyle/>
           <a:p>
+            <a:r>
+              <a:rPr kumimoji="1" lang="zh-CN" altLang="en-US"/>
+              <a:t>骰子人工智能 </a:t>
+            </a:r>
+            <a:r>
+              <a:rPr kumimoji="1" lang="en" altLang="zh-CN"/>
+              <a:t>B</a:t>
+            </a:r>
+            <a:r>
+              <a:rPr kumimoji="1" lang="zh-CN" altLang="en-US"/>
+              <a:t>站主页</a:t>
+            </a:r>
+            <a:r>
+              <a:rPr kumimoji="1" lang="en-US" altLang="zh-CN"/>
+              <a:t>:</a:t>
+            </a:r>
+            <a:r>
+              <a:rPr kumimoji="1" lang="en" altLang="zh-CN"/>
+              <a:t>https://space.bilibili.com/497998686</a:t>
+            </a:r>
             <a:endParaRPr kumimoji="1" lang="zh-CN" altLang="en-US"/>
           </a:p>
         </p:txBody>
@@ -2277,7 +3009,7 @@
     </p:spTree>
     <p:extLst>
       <p:ext uri="{BB962C8B-B14F-4D97-AF65-F5344CB8AC3E}">
-        <p14:creationId xmlns:p14="http://schemas.microsoft.com/office/powerpoint/2010/main" val="3848627420"/>
+        <p14:creationId xmlns:p14="http://schemas.microsoft.com/office/powerpoint/2010/main" val="1508926150"/>
       </p:ext>
     </p:extLst>
   </p:cSld>
@@ -2643,9 +3375,9 @@
             </a:lvl1pPr>
           </a:lstStyle>
           <a:p>
-            <a:fld id="{F5BF4FF5-291B-024B-8EFA-3D19C5D80619}" type="datetimeFigureOut">
+            <a:fld id="{667471DE-A621-EC4E-BDD0-23F29AFE4EF6}" type="datetime1">
               <a:rPr kumimoji="1" lang="zh-CN" altLang="en-US" smtClean="0"/>
-              <a:t>2020/9/3</a:t>
+              <a:t>2020/9/21</a:t>
             </a:fld>
             <a:endParaRPr kumimoji="1" lang="zh-CN" altLang="en-US"/>
           </a:p>
@@ -2671,6 +3403,26 @@
           <a:bodyPr/>
           <a:lstStyle/>
           <a:p>
+            <a:r>
+              <a:rPr kumimoji="1" lang="zh-CN" altLang="en-US"/>
+              <a:t>骰子人工智能 </a:t>
+            </a:r>
+            <a:r>
+              <a:rPr kumimoji="1" lang="en" altLang="zh-CN"/>
+              <a:t>B</a:t>
+            </a:r>
+            <a:r>
+              <a:rPr kumimoji="1" lang="zh-CN" altLang="en-US"/>
+              <a:t>站主页</a:t>
+            </a:r>
+            <a:r>
+              <a:rPr kumimoji="1" lang="en-US" altLang="zh-CN"/>
+              <a:t>:</a:t>
+            </a:r>
+            <a:r>
+              <a:rPr kumimoji="1" lang="en" altLang="zh-CN"/>
+              <a:t>https://space.bilibili.com/497998686</a:t>
+            </a:r>
             <a:endParaRPr kumimoji="1" lang="zh-CN" altLang="en-US"/>
           </a:p>
         </p:txBody>
@@ -2732,7 +3484,7 @@
     </p:spTree>
     <p:extLst>
       <p:ext uri="{BB962C8B-B14F-4D97-AF65-F5344CB8AC3E}">
-        <p14:creationId xmlns:p14="http://schemas.microsoft.com/office/powerpoint/2010/main" val="693052722"/>
+        <p14:creationId xmlns:p14="http://schemas.microsoft.com/office/powerpoint/2010/main" val="1845222122"/>
       </p:ext>
     </p:extLst>
   </p:cSld>
@@ -2969,9 +3721,9 @@
             </a:lvl1pPr>
           </a:lstStyle>
           <a:p>
-            <a:fld id="{F5BF4FF5-291B-024B-8EFA-3D19C5D80619}" type="datetimeFigureOut">
+            <a:fld id="{E85FDE48-3BA0-5146-8C41-3480179F902F}" type="datetime1">
               <a:rPr kumimoji="1" lang="zh-CN" altLang="en-US" smtClean="0"/>
-              <a:t>2020/9/3</a:t>
+              <a:t>2020/9/21</a:t>
             </a:fld>
             <a:endParaRPr kumimoji="1" lang="zh-CN" altLang="en-US"/>
           </a:p>
@@ -3010,6 +3762,26 @@
             </a:lvl1pPr>
           </a:lstStyle>
           <a:p>
+            <a:r>
+              <a:rPr kumimoji="1" lang="zh-CN" altLang="en-US"/>
+              <a:t>骰子人工智能 </a:t>
+            </a:r>
+            <a:r>
+              <a:rPr kumimoji="1" lang="en" altLang="zh-CN"/>
+              <a:t>B</a:t>
+            </a:r>
+            <a:r>
+              <a:rPr kumimoji="1" lang="zh-CN" altLang="en-US"/>
+              <a:t>站主页</a:t>
+            </a:r>
+            <a:r>
+              <a:rPr kumimoji="1" lang="en-US" altLang="zh-CN"/>
+              <a:t>:</a:t>
+            </a:r>
+            <a:r>
+              <a:rPr kumimoji="1" lang="en" altLang="zh-CN"/>
+              <a:t>https://space.bilibili.com/497998686</a:t>
+            </a:r>
             <a:endParaRPr kumimoji="1" lang="zh-CN" altLang="en-US"/>
           </a:p>
         </p:txBody>
@@ -3093,24 +3865,25 @@
     </p:spTree>
     <p:extLst>
       <p:ext uri="{BB962C8B-B14F-4D97-AF65-F5344CB8AC3E}">
-        <p14:creationId xmlns:p14="http://schemas.microsoft.com/office/powerpoint/2010/main" val="3907970214"/>
+        <p14:creationId xmlns:p14="http://schemas.microsoft.com/office/powerpoint/2010/main" val="1784354507"/>
       </p:ext>
     </p:extLst>
   </p:cSld>
   <p:clrMap bg1="lt1" tx1="dk1" bg2="lt2" tx2="dk2" accent1="accent1" accent2="accent2" accent3="accent3" accent4="accent4" accent5="accent5" accent6="accent6" hlink="hlink" folHlink="folHlink"/>
   <p:sldLayoutIdLst>
-    <p:sldLayoutId id="2147483721" r:id="rId1"/>
-    <p:sldLayoutId id="2147483722" r:id="rId2"/>
-    <p:sldLayoutId id="2147483723" r:id="rId3"/>
-    <p:sldLayoutId id="2147483724" r:id="rId4"/>
-    <p:sldLayoutId id="2147483725" r:id="rId5"/>
-    <p:sldLayoutId id="2147483726" r:id="rId6"/>
-    <p:sldLayoutId id="2147483727" r:id="rId7"/>
-    <p:sldLayoutId id="2147483728" r:id="rId8"/>
-    <p:sldLayoutId id="2147483729" r:id="rId9"/>
-    <p:sldLayoutId id="2147483730" r:id="rId10"/>
-    <p:sldLayoutId id="2147483731" r:id="rId11"/>
+    <p:sldLayoutId id="2147483781" r:id="rId1"/>
+    <p:sldLayoutId id="2147483782" r:id="rId2"/>
+    <p:sldLayoutId id="2147483783" r:id="rId3"/>
+    <p:sldLayoutId id="2147483784" r:id="rId4"/>
+    <p:sldLayoutId id="2147483785" r:id="rId5"/>
+    <p:sldLayoutId id="2147483786" r:id="rId6"/>
+    <p:sldLayoutId id="2147483787" r:id="rId7"/>
+    <p:sldLayoutId id="2147483788" r:id="rId8"/>
+    <p:sldLayoutId id="2147483789" r:id="rId9"/>
+    <p:sldLayoutId id="2147483790" r:id="rId10"/>
+    <p:sldLayoutId id="2147483791" r:id="rId11"/>
   </p:sldLayoutIdLst>
+  <p:hf sldNum="0" hdr="0" dt="0"/>
   <p:txStyles>
     <p:titleStyle>
       <a:lvl1pPr algn="l" defTabSz="914400" rtl="0" eaLnBrk="1" latinLnBrk="0" hangingPunct="1">
@@ -3443,6 +4216,30 @@
 <file path=ppt/slides/slide1.xml><?xml version="1.0" encoding="utf-8"?>
 <p:sld xmlns:a="http://schemas.openxmlformats.org/drawingml/2006/main" xmlns:r="http://schemas.openxmlformats.org/officeDocument/2006/relationships" xmlns:p="http://schemas.openxmlformats.org/presentationml/2006/main">
   <p:cSld>
+    <p:bg>
+      <p:bgPr>
+        <a:gradFill>
+          <a:gsLst>
+            <a:gs pos="0">
+              <a:schemeClr val="bg2">
+                <a:tint val="94000"/>
+                <a:satMod val="80000"/>
+                <a:lumMod val="106000"/>
+              </a:schemeClr>
+            </a:gs>
+            <a:gs pos="100000">
+              <a:schemeClr val="bg2">
+                <a:shade val="80000"/>
+              </a:schemeClr>
+            </a:gs>
+          </a:gsLst>
+          <a:path path="circle">
+            <a:fillToRect l="50000" t="50000" r="50000" b="50000"/>
+          </a:path>
+        </a:gradFill>
+        <a:effectLst/>
+      </p:bgPr>
+    </p:bg>
     <p:spTree>
       <p:nvGrpSpPr>
         <p:cNvPr id="1" name=""/>
@@ -3540,6 +4337,51 @@
               <a:rPr kumimoji="1" lang="zh-CN" altLang="en-US" dirty="0"/>
               <a:t>则越难被系统推荐，则会造成热门的更热门，冷门的更冷门。</a:t>
             </a:r>
+          </a:p>
+        </p:txBody>
+      </p:sp>
+      <p:sp>
+        <p:nvSpPr>
+          <p:cNvPr id="5" name="页脚占位符 4">
+            <a:extLst>
+              <a:ext uri="{FF2B5EF4-FFF2-40B4-BE49-F238E27FC236}">
+                <a16:creationId xmlns:a16="http://schemas.microsoft.com/office/drawing/2014/main" id="{EAB9EBA9-DB11-CA49-A671-18EB95166408}"/>
+              </a:ext>
+            </a:extLst>
+          </p:cNvPr>
+          <p:cNvSpPr>
+            <a:spLocks noGrp="1"/>
+          </p:cNvSpPr>
+          <p:nvPr>
+            <p:ph type="ftr" sz="quarter" idx="11"/>
+          </p:nvPr>
+        </p:nvSpPr>
+        <p:spPr/>
+        <p:txBody>
+          <a:bodyPr/>
+          <a:lstStyle/>
+          <a:p>
+            <a:r>
+              <a:rPr kumimoji="1" lang="zh-CN" altLang="en-US"/>
+              <a:t>骰子人工智能 </a:t>
+            </a:r>
+            <a:r>
+              <a:rPr kumimoji="1" lang="en" altLang="zh-CN"/>
+              <a:t>B</a:t>
+            </a:r>
+            <a:r>
+              <a:rPr kumimoji="1" lang="zh-CN" altLang="en-US"/>
+              <a:t>站主页</a:t>
+            </a:r>
+            <a:r>
+              <a:rPr kumimoji="1" lang="en-US" altLang="zh-CN"/>
+              <a:t>:</a:t>
+            </a:r>
+            <a:r>
+              <a:rPr kumimoji="1" lang="en" altLang="zh-CN"/>
+              <a:t>https://space.bilibili.com/497998686</a:t>
+            </a:r>
+            <a:endParaRPr kumimoji="1" lang="zh-CN" altLang="en-US" dirty="0"/>
           </a:p>
         </p:txBody>
       </p:sp>
@@ -3917,6 +4759,51 @@
           </p:sp>
         </mc:Fallback>
       </mc:AlternateContent>
+      <p:sp>
+        <p:nvSpPr>
+          <p:cNvPr id="5" name="页脚占位符 4">
+            <a:extLst>
+              <a:ext uri="{FF2B5EF4-FFF2-40B4-BE49-F238E27FC236}">
+                <a16:creationId xmlns:a16="http://schemas.microsoft.com/office/drawing/2014/main" id="{52176C63-2BBE-FC47-98BA-DB69090709A4}"/>
+              </a:ext>
+            </a:extLst>
+          </p:cNvPr>
+          <p:cNvSpPr>
+            <a:spLocks noGrp="1"/>
+          </p:cNvSpPr>
+          <p:nvPr>
+            <p:ph type="ftr" sz="quarter" idx="11"/>
+          </p:nvPr>
+        </p:nvSpPr>
+        <p:spPr/>
+        <p:txBody>
+          <a:bodyPr/>
+          <a:lstStyle/>
+          <a:p>
+            <a:r>
+              <a:rPr kumimoji="1" lang="zh-CN" altLang="en-US"/>
+              <a:t>骰子人工智能 </a:t>
+            </a:r>
+            <a:r>
+              <a:rPr kumimoji="1" lang="en" altLang="zh-CN"/>
+              <a:t>B</a:t>
+            </a:r>
+            <a:r>
+              <a:rPr kumimoji="1" lang="zh-CN" altLang="en-US"/>
+              <a:t>站主页</a:t>
+            </a:r>
+            <a:r>
+              <a:rPr kumimoji="1" lang="en-US" altLang="zh-CN"/>
+              <a:t>:</a:t>
+            </a:r>
+            <a:r>
+              <a:rPr kumimoji="1" lang="en" altLang="zh-CN"/>
+              <a:t>https://space.bilibili.com/497998686</a:t>
+            </a:r>
+            <a:endParaRPr kumimoji="1" lang="zh-CN" altLang="en-US"/>
+          </a:p>
+        </p:txBody>
+      </p:sp>
     </p:spTree>
     <p:extLst>
       <p:ext uri="{BB962C8B-B14F-4D97-AF65-F5344CB8AC3E}">
@@ -4004,7 +4891,7 @@
             <p:spPr/>
             <p:txBody>
               <a:bodyPr>
-                <a:normAutofit/>
+                <a:normAutofit fontScale="92500" lnSpcReduction="10000"/>
               </a:bodyPr>
               <a:lstStyle/>
               <a:p>
@@ -4074,118 +4961,32 @@
                       </a:rPr>
                       <m:t>=</m:t>
                     </m:r>
-                    <m:nary>
-                      <m:naryPr>
-                        <m:chr m:val="∑"/>
-                        <m:supHide m:val="on"/>
+                    <m:f>
+                      <m:fPr>
                         <m:ctrlPr>
-                          <a:rPr kumimoji="1" lang="en-US" altLang="zh-CN" sz="2800" i="1">
+                          <a:rPr kumimoji="1" lang="en-US" altLang="zh-CN" sz="2800" i="1" smtClean="0">
                             <a:latin typeface="Cambria Math" panose="02040503050406030204" pitchFamily="18" charset="0"/>
                           </a:rPr>
                         </m:ctrlPr>
-                      </m:naryPr>
-                      <m:sub>
-                        <m:r>
-                          <m:rPr>
-                            <m:brk m:alnAt="7"/>
-                          </m:rPr>
-                          <a:rPr kumimoji="1" lang="en-US" altLang="zh-CN" sz="2800" i="1">
-                            <a:latin typeface="Cambria Math" panose="02040503050406030204" pitchFamily="18" charset="0"/>
-                          </a:rPr>
-                          <m:t>𝑢</m:t>
-                        </m:r>
-                        <m:r>
-                          <a:rPr kumimoji="1" lang="en-US" altLang="zh-CN" sz="2800" i="1">
-                            <a:latin typeface="Cambria Math" panose="02040503050406030204" pitchFamily="18" charset="0"/>
-                            <a:ea typeface="Cambria Math" panose="02040503050406030204" pitchFamily="18" charset="0"/>
-                          </a:rPr>
-                          <m:t>⊆</m:t>
-                        </m:r>
-                        <m:r>
-                          <a:rPr kumimoji="1" lang="en-US" altLang="zh-CN" sz="2800" i="1">
-                            <a:latin typeface="Cambria Math" panose="02040503050406030204" pitchFamily="18" charset="0"/>
-                            <a:ea typeface="Cambria Math" panose="02040503050406030204" pitchFamily="18" charset="0"/>
-                          </a:rPr>
-                          <m:t>𝑈</m:t>
-                        </m:r>
-                      </m:sub>
-                      <m:sup/>
-                      <m:e>
-                        <m:f>
-                          <m:fPr>
+                      </m:fPr>
+                      <m:num>
+                        <m:nary>
+                          <m:naryPr>
+                            <m:chr m:val="∑"/>
+                            <m:supHide m:val="on"/>
                             <m:ctrlPr>
-                              <a:rPr kumimoji="1" lang="en-US" altLang="zh-CN" sz="2800" i="1" smtClean="0">
+                              <a:rPr kumimoji="1" lang="en-US" altLang="zh-CN" sz="2800" i="1">
                                 <a:latin typeface="Cambria Math" panose="02040503050406030204" pitchFamily="18" charset="0"/>
                               </a:rPr>
                             </m:ctrlPr>
-                          </m:fPr>
-                          <m:num>
-                            <m:nary>
-                              <m:naryPr>
-                                <m:chr m:val="∑"/>
-                                <m:supHide m:val="on"/>
-                                <m:ctrlPr>
-                                  <a:rPr kumimoji="1" lang="en-US" altLang="zh-CN" sz="2800" i="1" smtClean="0">
-                                    <a:latin typeface="Cambria Math" panose="02040503050406030204" pitchFamily="18" charset="0"/>
-                                  </a:rPr>
-                                </m:ctrlPr>
-                              </m:naryPr>
-                              <m:sub>
-                                <m:r>
-                                  <m:rPr>
-                                    <m:brk m:alnAt="7"/>
-                                  </m:rPr>
-                                  <a:rPr kumimoji="1" lang="en-US" altLang="zh-CN" sz="2800" b="0" i="1" smtClean="0">
-                                    <a:latin typeface="Cambria Math" panose="02040503050406030204" pitchFamily="18" charset="0"/>
-                                  </a:rPr>
-                                  <m:t>𝑖</m:t>
-                                </m:r>
-                                <m:r>
-                                  <a:rPr kumimoji="1" lang="en-US" altLang="zh-CN" sz="2800" i="1">
-                                    <a:latin typeface="Cambria Math" panose="02040503050406030204" pitchFamily="18" charset="0"/>
-                                    <a:ea typeface="Cambria Math" panose="02040503050406030204" pitchFamily="18" charset="0"/>
-                                  </a:rPr>
-                                  <m:t>⊆</m:t>
-                                </m:r>
-                                <m:r>
-                                  <a:rPr kumimoji="1" lang="en-US" altLang="zh-CN" sz="2800" b="0" i="1" smtClean="0">
-                                    <a:latin typeface="Cambria Math" panose="02040503050406030204" pitchFamily="18" charset="0"/>
-                                    <a:ea typeface="Cambria Math" panose="02040503050406030204" pitchFamily="18" charset="0"/>
-                                  </a:rPr>
-                                  <m:t>𝑢</m:t>
-                                </m:r>
-                              </m:sub>
-                              <m:sup/>
-                              <m:e>
-                                <m:r>
-                                  <m:rPr>
-                                    <m:nor/>
-                                  </m:rPr>
-                                  <a:rPr kumimoji="1" lang="en-US" altLang="zh-CN" sz="2800" dirty="0"/>
-                                  <m:t>ppl</m:t>
-                                </m:r>
-                                <m:r>
-                                  <m:rPr>
-                                    <m:nor/>
-                                  </m:rPr>
-                                  <a:rPr kumimoji="1" lang="en-US" altLang="zh-CN" sz="2800" baseline="-25000" dirty="0"/>
-                                  <m:t>i</m:t>
-                                </m:r>
-                              </m:e>
-                            </m:nary>
-                          </m:num>
-                          <m:den>
+                          </m:naryPr>
+                          <m:sub>
                             <m:r>
+                              <m:rPr>
+                                <m:brk m:alnAt="7"/>
+                              </m:rPr>
                               <a:rPr kumimoji="1" lang="en-US" altLang="zh-CN" sz="2800" i="1">
                                 <a:latin typeface="Cambria Math" panose="02040503050406030204" pitchFamily="18" charset="0"/>
-                                <a:ea typeface="Cambria Math" panose="02040503050406030204" pitchFamily="18" charset="0"/>
-                              </a:rPr>
-                              <m:t>|</m:t>
-                            </m:r>
-                            <m:r>
-                              <a:rPr kumimoji="1" lang="en-US" altLang="zh-CN" sz="2800" i="1">
-                                <a:latin typeface="Cambria Math" panose="02040503050406030204" pitchFamily="18" charset="0"/>
-                                <a:ea typeface="Cambria Math" panose="02040503050406030204" pitchFamily="18" charset="0"/>
                               </a:rPr>
                               <m:t>𝑢</m:t>
                             </m:r>
@@ -4194,12 +4995,129 @@
                                 <a:latin typeface="Cambria Math" panose="02040503050406030204" pitchFamily="18" charset="0"/>
                                 <a:ea typeface="Cambria Math" panose="02040503050406030204" pitchFamily="18" charset="0"/>
                               </a:rPr>
-                              <m:t>|</m:t>
+                              <m:t>⊆</m:t>
                             </m:r>
-                          </m:den>
-                        </m:f>
-                      </m:e>
-                    </m:nary>
+                            <m:r>
+                              <a:rPr kumimoji="1" lang="en-US" altLang="zh-CN" sz="2800" i="1">
+                                <a:latin typeface="Cambria Math" panose="02040503050406030204" pitchFamily="18" charset="0"/>
+                                <a:ea typeface="Cambria Math" panose="02040503050406030204" pitchFamily="18" charset="0"/>
+                              </a:rPr>
+                              <m:t>𝑈</m:t>
+                            </m:r>
+                          </m:sub>
+                          <m:sup/>
+                          <m:e>
+                            <m:f>
+                              <m:fPr>
+                                <m:ctrlPr>
+                                  <a:rPr kumimoji="1" lang="en-US" altLang="zh-CN" sz="2800" i="1">
+                                    <a:latin typeface="Cambria Math" panose="02040503050406030204" pitchFamily="18" charset="0"/>
+                                  </a:rPr>
+                                </m:ctrlPr>
+                              </m:fPr>
+                              <m:num>
+                                <m:nary>
+                                  <m:naryPr>
+                                    <m:chr m:val="∑"/>
+                                    <m:supHide m:val="on"/>
+                                    <m:ctrlPr>
+                                      <a:rPr kumimoji="1" lang="en-US" altLang="zh-CN" sz="2800" i="1">
+                                        <a:latin typeface="Cambria Math" panose="02040503050406030204" pitchFamily="18" charset="0"/>
+                                      </a:rPr>
+                                    </m:ctrlPr>
+                                  </m:naryPr>
+                                  <m:sub>
+                                    <m:r>
+                                      <m:rPr>
+                                        <m:brk m:alnAt="7"/>
+                                      </m:rPr>
+                                      <a:rPr kumimoji="1" lang="en-US" altLang="zh-CN" sz="2800" i="1">
+                                        <a:latin typeface="Cambria Math" panose="02040503050406030204" pitchFamily="18" charset="0"/>
+                                      </a:rPr>
+                                      <m:t>𝑖</m:t>
+                                    </m:r>
+                                    <m:r>
+                                      <a:rPr kumimoji="1" lang="en-US" altLang="zh-CN" sz="2800" i="1">
+                                        <a:latin typeface="Cambria Math" panose="02040503050406030204" pitchFamily="18" charset="0"/>
+                                        <a:ea typeface="Cambria Math" panose="02040503050406030204" pitchFamily="18" charset="0"/>
+                                      </a:rPr>
+                                      <m:t>⊆</m:t>
+                                    </m:r>
+                                    <m:r>
+                                      <a:rPr kumimoji="1" lang="en-US" altLang="zh-CN" sz="2800" i="1">
+                                        <a:latin typeface="Cambria Math" panose="02040503050406030204" pitchFamily="18" charset="0"/>
+                                        <a:ea typeface="Cambria Math" panose="02040503050406030204" pitchFamily="18" charset="0"/>
+                                      </a:rPr>
+                                      <m:t>𝑢</m:t>
+                                    </m:r>
+                                  </m:sub>
+                                  <m:sup/>
+                                  <m:e>
+                                    <m:r>
+                                      <m:rPr>
+                                        <m:nor/>
+                                      </m:rPr>
+                                      <a:rPr kumimoji="1" lang="en-US" altLang="zh-CN" sz="2800" dirty="0"/>
+                                      <m:t>ppl</m:t>
+                                    </m:r>
+                                    <m:r>
+                                      <m:rPr>
+                                        <m:nor/>
+                                      </m:rPr>
+                                      <a:rPr kumimoji="1" lang="en-US" altLang="zh-CN" sz="2800" baseline="-25000" dirty="0"/>
+                                      <m:t>i</m:t>
+                                    </m:r>
+                                  </m:e>
+                                </m:nary>
+                              </m:num>
+                              <m:den>
+                                <m:r>
+                                  <a:rPr kumimoji="1" lang="en-US" altLang="zh-CN" sz="2800" i="1">
+                                    <a:latin typeface="Cambria Math" panose="02040503050406030204" pitchFamily="18" charset="0"/>
+                                    <a:ea typeface="Cambria Math" panose="02040503050406030204" pitchFamily="18" charset="0"/>
+                                  </a:rPr>
+                                  <m:t>|</m:t>
+                                </m:r>
+                                <m:r>
+                                  <a:rPr kumimoji="1" lang="en-US" altLang="zh-CN" sz="2800" i="1">
+                                    <a:latin typeface="Cambria Math" panose="02040503050406030204" pitchFamily="18" charset="0"/>
+                                    <a:ea typeface="Cambria Math" panose="02040503050406030204" pitchFamily="18" charset="0"/>
+                                  </a:rPr>
+                                  <m:t>𝑢</m:t>
+                                </m:r>
+                                <m:r>
+                                  <a:rPr kumimoji="1" lang="en-US" altLang="zh-CN" sz="2800" i="1">
+                                    <a:latin typeface="Cambria Math" panose="02040503050406030204" pitchFamily="18" charset="0"/>
+                                    <a:ea typeface="Cambria Math" panose="02040503050406030204" pitchFamily="18" charset="0"/>
+                                  </a:rPr>
+                                  <m:t>|</m:t>
+                                </m:r>
+                              </m:den>
+                            </m:f>
+                          </m:e>
+                        </m:nary>
+                      </m:num>
+                      <m:den>
+                        <m:r>
+                          <a:rPr kumimoji="1" lang="en-US" altLang="zh-CN" sz="2800" b="0" i="1" smtClean="0">
+                            <a:latin typeface="Cambria Math" panose="02040503050406030204" pitchFamily="18" charset="0"/>
+                          </a:rPr>
+                          <m:t>|</m:t>
+                        </m:r>
+                        <m:r>
+                          <a:rPr kumimoji="1" lang="en-US" altLang="zh-CN" sz="2800" b="0" i="1" smtClean="0">
+                            <a:latin typeface="Cambria Math" panose="02040503050406030204" pitchFamily="18" charset="0"/>
+                          </a:rPr>
+                          <m:t>𝑈</m:t>
+                        </m:r>
+                        <m:r>
+                          <a:rPr kumimoji="1" lang="en-US" altLang="zh-CN" sz="2800" b="0" i="1" smtClean="0">
+                            <a:latin typeface="Cambria Math" panose="02040503050406030204" pitchFamily="18" charset="0"/>
+                          </a:rPr>
+                          <m:t>|</m:t>
+                        </m:r>
+                      </m:den>
+                    </m:f>
                   </m:oMath>
                 </a14:m>
                 <a:endParaRPr kumimoji="1" lang="en-US" altLang="zh-CN" sz="2400" dirty="0"/>
@@ -4342,7 +5260,7 @@
               <a:blipFill>
                 <a:blip r:embed="rId2"/>
                 <a:stretch>
-                  <a:fillRect l="-1057" t="-735" b="-2206"/>
+                  <a:fillRect l="-925" t="-1103"/>
                 </a:stretch>
               </a:blipFill>
             </p:spPr>
@@ -4361,6 +5279,51 @@
           </p:sp>
         </mc:Fallback>
       </mc:AlternateContent>
+      <p:sp>
+        <p:nvSpPr>
+          <p:cNvPr id="5" name="页脚占位符 4">
+            <a:extLst>
+              <a:ext uri="{FF2B5EF4-FFF2-40B4-BE49-F238E27FC236}">
+                <a16:creationId xmlns:a16="http://schemas.microsoft.com/office/drawing/2014/main" id="{5C28431A-2B6D-704F-B24D-E09875CE7750}"/>
+              </a:ext>
+            </a:extLst>
+          </p:cNvPr>
+          <p:cNvSpPr>
+            <a:spLocks noGrp="1"/>
+          </p:cNvSpPr>
+          <p:nvPr>
+            <p:ph type="ftr" sz="quarter" idx="11"/>
+          </p:nvPr>
+        </p:nvSpPr>
+        <p:spPr/>
+        <p:txBody>
+          <a:bodyPr/>
+          <a:lstStyle/>
+          <a:p>
+            <a:r>
+              <a:rPr kumimoji="1" lang="zh-CN" altLang="en-US"/>
+              <a:t>骰子人工智能 </a:t>
+            </a:r>
+            <a:r>
+              <a:rPr kumimoji="1" lang="en" altLang="zh-CN"/>
+              <a:t>B</a:t>
+            </a:r>
+            <a:r>
+              <a:rPr kumimoji="1" lang="zh-CN" altLang="en-US"/>
+              <a:t>站主页</a:t>
+            </a:r>
+            <a:r>
+              <a:rPr kumimoji="1" lang="en-US" altLang="zh-CN"/>
+              <a:t>:</a:t>
+            </a:r>
+            <a:r>
+              <a:rPr kumimoji="1" lang="en" altLang="zh-CN"/>
+              <a:t>https://space.bilibili.com/497998686</a:t>
+            </a:r>
+            <a:endParaRPr kumimoji="1" lang="zh-CN" altLang="en-US"/>
+          </a:p>
+        </p:txBody>
+      </p:sp>
     </p:spTree>
     <p:extLst>
       <p:ext uri="{BB962C8B-B14F-4D97-AF65-F5344CB8AC3E}">
@@ -4427,8 +5390,8 @@
           </a:p>
         </p:txBody>
       </p:sp>
-      <mc:AlternateContent xmlns:mc="http://schemas.openxmlformats.org/markup-compatibility/2006">
-        <mc:Choice xmlns:a14="http://schemas.microsoft.com/office/drawing/2010/main" Requires="a14">
+      <mc:AlternateContent xmlns:mc="http://schemas.openxmlformats.org/markup-compatibility/2006" xmlns:a14="http://schemas.microsoft.com/office/drawing/2010/main">
+        <mc:Choice Requires="a14">
           <p:sp>
             <p:nvSpPr>
               <p:cNvPr id="3" name="内容占位符 2">
@@ -4465,7 +5428,6 @@
                 <a:endParaRPr lang="en-US" altLang="zh-CN" dirty="0"/>
               </a:p>
               <a:p>
-                <a:pPr/>
                 <a14:m>
                   <m:oMath xmlns:m="http://schemas.openxmlformats.org/officeDocument/2006/math">
                     <m:r>
@@ -4676,7 +5638,6 @@
                 <a:endParaRPr lang="en-US" altLang="zh-CN" dirty="0"/>
               </a:p>
               <a:p>
-                <a:pPr/>
                 <a:endParaRPr lang="en-US" altLang="zh-CN" dirty="0"/>
               </a:p>
               <a:p>
@@ -4784,7 +5745,7 @@
             </p:txBody>
           </p:sp>
         </mc:Choice>
-        <mc:Fallback>
+        <mc:Fallback xmlns="">
           <p:sp>
             <p:nvSpPr>
               <p:cNvPr id="3" name="内容占位符 2">
@@ -4824,6 +5785,51 @@
           </p:sp>
         </mc:Fallback>
       </mc:AlternateContent>
+      <p:sp>
+        <p:nvSpPr>
+          <p:cNvPr id="5" name="页脚占位符 4">
+            <a:extLst>
+              <a:ext uri="{FF2B5EF4-FFF2-40B4-BE49-F238E27FC236}">
+                <a16:creationId xmlns:a16="http://schemas.microsoft.com/office/drawing/2014/main" id="{649AD174-E542-5E4F-AED3-9E654464D6D4}"/>
+              </a:ext>
+            </a:extLst>
+          </p:cNvPr>
+          <p:cNvSpPr>
+            <a:spLocks noGrp="1"/>
+          </p:cNvSpPr>
+          <p:nvPr>
+            <p:ph type="ftr" sz="quarter" idx="11"/>
+          </p:nvPr>
+        </p:nvSpPr>
+        <p:spPr/>
+        <p:txBody>
+          <a:bodyPr/>
+          <a:lstStyle/>
+          <a:p>
+            <a:r>
+              <a:rPr kumimoji="1" lang="zh-CN" altLang="en-US"/>
+              <a:t>骰子人工智能 </a:t>
+            </a:r>
+            <a:r>
+              <a:rPr kumimoji="1" lang="en" altLang="zh-CN"/>
+              <a:t>B</a:t>
+            </a:r>
+            <a:r>
+              <a:rPr kumimoji="1" lang="zh-CN" altLang="en-US"/>
+              <a:t>站主页</a:t>
+            </a:r>
+            <a:r>
+              <a:rPr kumimoji="1" lang="en-US" altLang="zh-CN"/>
+              <a:t>:</a:t>
+            </a:r>
+            <a:r>
+              <a:rPr kumimoji="1" lang="en" altLang="zh-CN"/>
+              <a:t>https://space.bilibili.com/497998686</a:t>
+            </a:r>
+            <a:endParaRPr kumimoji="1" lang="zh-CN" altLang="en-US"/>
+          </a:p>
+        </p:txBody>
+      </p:sp>
     </p:spTree>
     <p:extLst>
       <p:ext uri="{BB962C8B-B14F-4D97-AF65-F5344CB8AC3E}">
@@ -4895,8 +5901,8 @@
           </a:p>
         </p:txBody>
       </p:sp>
-      <mc:AlternateContent xmlns:mc="http://schemas.openxmlformats.org/markup-compatibility/2006">
-        <mc:Choice xmlns:a14="http://schemas.microsoft.com/office/drawing/2010/main" Requires="a14">
+      <mc:AlternateContent xmlns:mc="http://schemas.openxmlformats.org/markup-compatibility/2006" xmlns:a14="http://schemas.microsoft.com/office/drawing/2010/main">
+        <mc:Choice Requires="a14">
           <p:sp>
             <p:nvSpPr>
               <p:cNvPr id="3" name="内容占位符 2">
@@ -5396,18 +6402,6 @@
                               <a:rPr kumimoji="1" lang="en-US" altLang="zh-CN" sz="2400" b="0" i="1" smtClean="0">
                                 <a:latin typeface="Cambria Math" panose="02040503050406030204" pitchFamily="18" charset="0"/>
                               </a:rPr>
-                              <m:t>/</m:t>
-                            </m:r>
-                            <m:r>
-                              <a:rPr kumimoji="1" lang="en-US" altLang="zh-CN" sz="2400" b="0" i="1" smtClean="0">
-                                <a:latin typeface="Cambria Math" panose="02040503050406030204" pitchFamily="18" charset="0"/>
-                              </a:rPr>
-                              <m:t>𝑛</m:t>
-                            </m:r>
-                            <m:r>
-                              <a:rPr kumimoji="1" lang="en-US" altLang="zh-CN" sz="2400" b="0" i="1" smtClean="0">
-                                <a:latin typeface="Cambria Math" panose="02040503050406030204" pitchFamily="18" charset="0"/>
-                              </a:rPr>
                               <m:t>)</m:t>
                             </m:r>
                           </m:sup>
@@ -5421,7 +6415,7 @@
             </p:txBody>
           </p:sp>
         </mc:Choice>
-        <mc:Fallback>
+        <mc:Fallback xmlns="">
           <p:sp>
             <p:nvSpPr>
               <p:cNvPr id="3" name="内容占位符 2">
@@ -5461,6 +6455,51 @@
           </p:sp>
         </mc:Fallback>
       </mc:AlternateContent>
+      <p:sp>
+        <p:nvSpPr>
+          <p:cNvPr id="5" name="页脚占位符 4">
+            <a:extLst>
+              <a:ext uri="{FF2B5EF4-FFF2-40B4-BE49-F238E27FC236}">
+                <a16:creationId xmlns:a16="http://schemas.microsoft.com/office/drawing/2014/main" id="{9487D746-1B51-7348-A604-59509E9E3FA2}"/>
+              </a:ext>
+            </a:extLst>
+          </p:cNvPr>
+          <p:cNvSpPr>
+            <a:spLocks noGrp="1"/>
+          </p:cNvSpPr>
+          <p:nvPr>
+            <p:ph type="ftr" sz="quarter" idx="11"/>
+          </p:nvPr>
+        </p:nvSpPr>
+        <p:spPr/>
+        <p:txBody>
+          <a:bodyPr/>
+          <a:lstStyle/>
+          <a:p>
+            <a:r>
+              <a:rPr kumimoji="1" lang="zh-CN" altLang="en-US"/>
+              <a:t>骰子人工智能 </a:t>
+            </a:r>
+            <a:r>
+              <a:rPr kumimoji="1" lang="en" altLang="zh-CN"/>
+              <a:t>B</a:t>
+            </a:r>
+            <a:r>
+              <a:rPr kumimoji="1" lang="zh-CN" altLang="en-US"/>
+              <a:t>站主页</a:t>
+            </a:r>
+            <a:r>
+              <a:rPr kumimoji="1" lang="en-US" altLang="zh-CN"/>
+              <a:t>:</a:t>
+            </a:r>
+            <a:r>
+              <a:rPr kumimoji="1" lang="en" altLang="zh-CN"/>
+              <a:t>https://space.bilibili.com/497998686</a:t>
+            </a:r>
+            <a:endParaRPr kumimoji="1" lang="zh-CN" altLang="en-US"/>
+          </a:p>
+        </p:txBody>
+      </p:sp>
     </p:spTree>
     <p:extLst>
       <p:ext uri="{BB962C8B-B14F-4D97-AF65-F5344CB8AC3E}">
@@ -5589,6 +6628,51 @@
               <a:rPr kumimoji="1" lang="zh-CN" altLang="en-US" dirty="0"/>
               <a:t>测试不断调整</a:t>
             </a:r>
+          </a:p>
+        </p:txBody>
+      </p:sp>
+      <p:sp>
+        <p:nvSpPr>
+          <p:cNvPr id="5" name="页脚占位符 4">
+            <a:extLst>
+              <a:ext uri="{FF2B5EF4-FFF2-40B4-BE49-F238E27FC236}">
+                <a16:creationId xmlns:a16="http://schemas.microsoft.com/office/drawing/2014/main" id="{EC3C103E-DC0E-B946-B60E-D8FBD92CBF26}"/>
+              </a:ext>
+            </a:extLst>
+          </p:cNvPr>
+          <p:cNvSpPr>
+            <a:spLocks noGrp="1"/>
+          </p:cNvSpPr>
+          <p:nvPr>
+            <p:ph type="ftr" sz="quarter" idx="11"/>
+          </p:nvPr>
+        </p:nvSpPr>
+        <p:spPr/>
+        <p:txBody>
+          <a:bodyPr/>
+          <a:lstStyle/>
+          <a:p>
+            <a:r>
+              <a:rPr kumimoji="1" lang="zh-CN" altLang="en-US"/>
+              <a:t>骰子人工智能 </a:t>
+            </a:r>
+            <a:r>
+              <a:rPr kumimoji="1" lang="en" altLang="zh-CN"/>
+              <a:t>B</a:t>
+            </a:r>
+            <a:r>
+              <a:rPr kumimoji="1" lang="zh-CN" altLang="en-US"/>
+              <a:t>站主页</a:t>
+            </a:r>
+            <a:r>
+              <a:rPr kumimoji="1" lang="en-US" altLang="zh-CN"/>
+              <a:t>:</a:t>
+            </a:r>
+            <a:r>
+              <a:rPr kumimoji="1" lang="en" altLang="zh-CN"/>
+              <a:t>https://space.bilibili.com/497998686</a:t>
+            </a:r>
+            <a:endParaRPr kumimoji="1" lang="zh-CN" altLang="en-US"/>
           </a:p>
         </p:txBody>
       </p:sp>
@@ -5856,4 +6940,594 @@
     </a:ext>
   </a:extLst>
 </a:theme>
+</file>
+
+<file path=ppt/theme/theme2.xml><?xml version="1.0" encoding="utf-8"?>
+<a:theme xmlns:a="http://schemas.openxmlformats.org/drawingml/2006/main" name="Office 主题​​">
+  <a:themeElements>
+    <a:clrScheme name="Office">
+      <a:dk1>
+        <a:sysClr val="windowText" lastClr="000000"/>
+      </a:dk1>
+      <a:lt1>
+        <a:sysClr val="window" lastClr="FFFFFF"/>
+      </a:lt1>
+      <a:dk2>
+        <a:srgbClr val="44546A"/>
+      </a:dk2>
+      <a:lt2>
+        <a:srgbClr val="E7E6E6"/>
+      </a:lt2>
+      <a:accent1>
+        <a:srgbClr val="4472C4"/>
+      </a:accent1>
+      <a:accent2>
+        <a:srgbClr val="ED7D31"/>
+      </a:accent2>
+      <a:accent3>
+        <a:srgbClr val="A5A5A5"/>
+      </a:accent3>
+      <a:accent4>
+        <a:srgbClr val="FFC000"/>
+      </a:accent4>
+      <a:accent5>
+        <a:srgbClr val="5B9BD5"/>
+      </a:accent5>
+      <a:accent6>
+        <a:srgbClr val="70AD47"/>
+      </a:accent6>
+      <a:hlink>
+        <a:srgbClr val="0563C1"/>
+      </a:hlink>
+      <a:folHlink>
+        <a:srgbClr val="954F72"/>
+      </a:folHlink>
+    </a:clrScheme>
+    <a:fontScheme name="Office">
+      <a:majorFont>
+        <a:latin typeface="等线 Light" panose="020F0302020204030204"/>
+        <a:ea typeface=""/>
+        <a:cs typeface=""/>
+        <a:font script="Jpan" typeface="游ゴシック Light"/>
+        <a:font script="Hang" typeface="맑은 고딕"/>
+        <a:font script="Hans" typeface="等线 Light"/>
+        <a:font script="Hant" typeface="新細明體"/>
+        <a:font script="Arab" typeface="Times New Roman"/>
+        <a:font script="Hebr" typeface="Times New Roman"/>
+        <a:font script="Thai" typeface="Angsana New"/>
+        <a:font script="Ethi" typeface="Nyala"/>
+        <a:font script="Beng" typeface="Vrinda"/>
+        <a:font script="Gujr" typeface="Shruti"/>
+        <a:font script="Khmr" typeface="MoolBoran"/>
+        <a:font script="Knda" typeface="Tunga"/>
+        <a:font script="Guru" typeface="Raavi"/>
+        <a:font script="Cans" typeface="Euphemia"/>
+        <a:font script="Cher" typeface="Plantagenet Cherokee"/>
+        <a:font script="Yiii" typeface="Microsoft Yi Baiti"/>
+        <a:font script="Tibt" typeface="Microsoft Himalaya"/>
+        <a:font script="Thaa" typeface="MV Boli"/>
+        <a:font script="Deva" typeface="Mangal"/>
+        <a:font script="Telu" typeface="Gautami"/>
+        <a:font script="Taml" typeface="Latha"/>
+        <a:font script="Syrc" typeface="Estrangelo Edessa"/>
+        <a:font script="Orya" typeface="Kalinga"/>
+        <a:font script="Mlym" typeface="Kartika"/>
+        <a:font script="Laoo" typeface="DokChampa"/>
+        <a:font script="Sinh" typeface="Iskoola Pota"/>
+        <a:font script="Mong" typeface="Mongolian Baiti"/>
+        <a:font script="Viet" typeface="Times New Roman"/>
+        <a:font script="Uigh" typeface="Microsoft Uighur"/>
+        <a:font script="Geor" typeface="Sylfaen"/>
+        <a:font script="Armn" typeface="Arial"/>
+        <a:font script="Bugi" typeface="Leelawadee UI"/>
+        <a:font script="Bopo" typeface="Microsoft JhengHei"/>
+        <a:font script="Java" typeface="Javanese Text"/>
+        <a:font script="Lisu" typeface="Segoe UI"/>
+        <a:font script="Mymr" typeface="Myanmar Text"/>
+        <a:font script="Nkoo" typeface="Ebrima"/>
+        <a:font script="Olck" typeface="Nirmala UI"/>
+        <a:font script="Osma" typeface="Ebrima"/>
+        <a:font script="Phag" typeface="Phagspa"/>
+        <a:font script="Syrn" typeface="Estrangelo Edessa"/>
+        <a:font script="Syrj" typeface="Estrangelo Edessa"/>
+        <a:font script="Syre" typeface="Estrangelo Edessa"/>
+        <a:font script="Sora" typeface="Nirmala UI"/>
+        <a:font script="Tale" typeface="Microsoft Tai Le"/>
+        <a:font script="Talu" typeface="Microsoft New Tai Lue"/>
+        <a:font script="Tfng" typeface="Ebrima"/>
+      </a:majorFont>
+      <a:minorFont>
+        <a:latin typeface="等线" panose="020F0502020204030204"/>
+        <a:ea typeface=""/>
+        <a:cs typeface=""/>
+        <a:font script="Jpan" typeface="游ゴシック"/>
+        <a:font script="Hang" typeface="맑은 고딕"/>
+        <a:font script="Hans" typeface="等线"/>
+        <a:font script="Hant" typeface="新細明體"/>
+        <a:font script="Arab" typeface="Arial"/>
+        <a:font script="Hebr" typeface="Arial"/>
+        <a:font script="Thai" typeface="Cordia New"/>
+        <a:font script="Ethi" typeface="Nyala"/>
+        <a:font script="Beng" typeface="Vrinda"/>
+        <a:font script="Gujr" typeface="Shruti"/>
+        <a:font script="Khmr" typeface="DaunPenh"/>
+        <a:font script="Knda" typeface="Tunga"/>
+        <a:font script="Guru" typeface="Raavi"/>
+        <a:font script="Cans" typeface="Euphemia"/>
+        <a:font script="Cher" typeface="Plantagenet Cherokee"/>
+        <a:font script="Yiii" typeface="Microsoft Yi Baiti"/>
+        <a:font script="Tibt" typeface="Microsoft Himalaya"/>
+        <a:font script="Thaa" typeface="MV Boli"/>
+        <a:font script="Deva" typeface="Mangal"/>
+        <a:font script="Telu" typeface="Gautami"/>
+        <a:font script="Taml" typeface="Latha"/>
+        <a:font script="Syrc" typeface="Estrangelo Edessa"/>
+        <a:font script="Orya" typeface="Kalinga"/>
+        <a:font script="Mlym" typeface="Kartika"/>
+        <a:font script="Laoo" typeface="DokChampa"/>
+        <a:font script="Sinh" typeface="Iskoola Pota"/>
+        <a:font script="Mong" typeface="Mongolian Baiti"/>
+        <a:font script="Viet" typeface="Arial"/>
+        <a:font script="Uigh" typeface="Microsoft Uighur"/>
+        <a:font script="Geor" typeface="Sylfaen"/>
+        <a:font script="Armn" typeface="Arial"/>
+        <a:font script="Bugi" typeface="Leelawadee UI"/>
+        <a:font script="Bopo" typeface="Microsoft JhengHei"/>
+        <a:font script="Java" typeface="Javanese Text"/>
+        <a:font script="Lisu" typeface="Segoe UI"/>
+        <a:font script="Mymr" typeface="Myanmar Text"/>
+        <a:font script="Nkoo" typeface="Ebrima"/>
+        <a:font script="Olck" typeface="Nirmala UI"/>
+        <a:font script="Osma" typeface="Ebrima"/>
+        <a:font script="Phag" typeface="Phagspa"/>
+        <a:font script="Syrn" typeface="Estrangelo Edessa"/>
+        <a:font script="Syrj" typeface="Estrangelo Edessa"/>
+        <a:font script="Syre" typeface="Estrangelo Edessa"/>
+        <a:font script="Sora" typeface="Nirmala UI"/>
+        <a:font script="Tale" typeface="Microsoft Tai Le"/>
+        <a:font script="Talu" typeface="Microsoft New Tai Lue"/>
+        <a:font script="Tfng" typeface="Ebrima"/>
+      </a:minorFont>
+    </a:fontScheme>
+    <a:fmtScheme name="Office">
+      <a:fillStyleLst>
+        <a:solidFill>
+          <a:schemeClr val="phClr"/>
+        </a:solidFill>
+        <a:gradFill rotWithShape="1">
+          <a:gsLst>
+            <a:gs pos="0">
+              <a:schemeClr val="phClr">
+                <a:lumMod val="110000"/>
+                <a:satMod val="105000"/>
+                <a:tint val="67000"/>
+              </a:schemeClr>
+            </a:gs>
+            <a:gs pos="50000">
+              <a:schemeClr val="phClr">
+                <a:lumMod val="105000"/>
+                <a:satMod val="103000"/>
+                <a:tint val="73000"/>
+              </a:schemeClr>
+            </a:gs>
+            <a:gs pos="100000">
+              <a:schemeClr val="phClr">
+                <a:lumMod val="105000"/>
+                <a:satMod val="109000"/>
+                <a:tint val="81000"/>
+              </a:schemeClr>
+            </a:gs>
+          </a:gsLst>
+          <a:lin ang="5400000" scaled="0"/>
+        </a:gradFill>
+        <a:gradFill rotWithShape="1">
+          <a:gsLst>
+            <a:gs pos="0">
+              <a:schemeClr val="phClr">
+                <a:satMod val="103000"/>
+                <a:lumMod val="102000"/>
+                <a:tint val="94000"/>
+              </a:schemeClr>
+            </a:gs>
+            <a:gs pos="50000">
+              <a:schemeClr val="phClr">
+                <a:satMod val="110000"/>
+                <a:lumMod val="100000"/>
+                <a:shade val="100000"/>
+              </a:schemeClr>
+            </a:gs>
+            <a:gs pos="100000">
+              <a:schemeClr val="phClr">
+                <a:lumMod val="99000"/>
+                <a:satMod val="120000"/>
+                <a:shade val="78000"/>
+              </a:schemeClr>
+            </a:gs>
+          </a:gsLst>
+          <a:lin ang="5400000" scaled="0"/>
+        </a:gradFill>
+      </a:fillStyleLst>
+      <a:lnStyleLst>
+        <a:ln w="6350" cap="flat" cmpd="sng" algn="ctr">
+          <a:solidFill>
+            <a:schemeClr val="phClr"/>
+          </a:solidFill>
+          <a:prstDash val="solid"/>
+          <a:miter lim="800000"/>
+        </a:ln>
+        <a:ln w="12700" cap="flat" cmpd="sng" algn="ctr">
+          <a:solidFill>
+            <a:schemeClr val="phClr"/>
+          </a:solidFill>
+          <a:prstDash val="solid"/>
+          <a:miter lim="800000"/>
+        </a:ln>
+        <a:ln w="19050" cap="flat" cmpd="sng" algn="ctr">
+          <a:solidFill>
+            <a:schemeClr val="phClr"/>
+          </a:solidFill>
+          <a:prstDash val="solid"/>
+          <a:miter lim="800000"/>
+        </a:ln>
+      </a:lnStyleLst>
+      <a:effectStyleLst>
+        <a:effectStyle>
+          <a:effectLst/>
+        </a:effectStyle>
+        <a:effectStyle>
+          <a:effectLst/>
+        </a:effectStyle>
+        <a:effectStyle>
+          <a:effectLst>
+            <a:outerShdw blurRad="57150" dist="19050" dir="5400000" algn="ctr" rotWithShape="0">
+              <a:srgbClr val="000000">
+                <a:alpha val="63000"/>
+              </a:srgbClr>
+            </a:outerShdw>
+          </a:effectLst>
+        </a:effectStyle>
+      </a:effectStyleLst>
+      <a:bgFillStyleLst>
+        <a:solidFill>
+          <a:schemeClr val="phClr"/>
+        </a:solidFill>
+        <a:solidFill>
+          <a:schemeClr val="phClr">
+            <a:tint val="95000"/>
+            <a:satMod val="170000"/>
+          </a:schemeClr>
+        </a:solidFill>
+        <a:gradFill rotWithShape="1">
+          <a:gsLst>
+            <a:gs pos="0">
+              <a:schemeClr val="phClr">
+                <a:tint val="93000"/>
+                <a:satMod val="150000"/>
+                <a:shade val="98000"/>
+                <a:lumMod val="102000"/>
+              </a:schemeClr>
+            </a:gs>
+            <a:gs pos="50000">
+              <a:schemeClr val="phClr">
+                <a:tint val="98000"/>
+                <a:satMod val="130000"/>
+                <a:shade val="90000"/>
+                <a:lumMod val="103000"/>
+              </a:schemeClr>
+            </a:gs>
+            <a:gs pos="100000">
+              <a:schemeClr val="phClr">
+                <a:shade val="63000"/>
+                <a:satMod val="120000"/>
+              </a:schemeClr>
+            </a:gs>
+          </a:gsLst>
+          <a:lin ang="5400000" scaled="0"/>
+        </a:gradFill>
+      </a:bgFillStyleLst>
+    </a:fmtScheme>
+  </a:themeElements>
+  <a:objectDefaults/>
+  <a:extraClrSchemeLst/>
+  <a:extLst>
+    <a:ext uri="{05A4C25C-085E-4340-85A3-A5531E510DB2}">
+      <thm15:themeFamily xmlns:thm15="http://schemas.microsoft.com/office/thememl/2012/main" name="Office Theme" id="{62F939B6-93AF-4DB8-9C6B-D6C7DFDC589F}" vid="{4A3C46E8-61CC-4603-A589-7422A47A8E4A}"/>
+    </a:ext>
+  </a:extLst>
+</a:theme>
+</file>
+
+<file path=ppt/theme/theme3.xml><?xml version="1.0" encoding="utf-8"?>
+<a:theme xmlns:a="http://schemas.openxmlformats.org/drawingml/2006/main" name="Office 主题​​">
+  <a:themeElements>
+    <a:clrScheme name="Office">
+      <a:dk1>
+        <a:sysClr val="windowText" lastClr="000000"/>
+      </a:dk1>
+      <a:lt1>
+        <a:sysClr val="window" lastClr="FFFFFF"/>
+      </a:lt1>
+      <a:dk2>
+        <a:srgbClr val="44546A"/>
+      </a:dk2>
+      <a:lt2>
+        <a:srgbClr val="E7E6E6"/>
+      </a:lt2>
+      <a:accent1>
+        <a:srgbClr val="4472C4"/>
+      </a:accent1>
+      <a:accent2>
+        <a:srgbClr val="ED7D31"/>
+      </a:accent2>
+      <a:accent3>
+        <a:srgbClr val="A5A5A5"/>
+      </a:accent3>
+      <a:accent4>
+        <a:srgbClr val="FFC000"/>
+      </a:accent4>
+      <a:accent5>
+        <a:srgbClr val="5B9BD5"/>
+      </a:accent5>
+      <a:accent6>
+        <a:srgbClr val="70AD47"/>
+      </a:accent6>
+      <a:hlink>
+        <a:srgbClr val="0563C1"/>
+      </a:hlink>
+      <a:folHlink>
+        <a:srgbClr val="954F72"/>
+      </a:folHlink>
+    </a:clrScheme>
+    <a:fontScheme name="Office">
+      <a:majorFont>
+        <a:latin typeface="等线 Light" panose="020F0302020204030204"/>
+        <a:ea typeface=""/>
+        <a:cs typeface=""/>
+        <a:font script="Jpan" typeface="游ゴシック Light"/>
+        <a:font script="Hang" typeface="맑은 고딕"/>
+        <a:font script="Hans" typeface="等线 Light"/>
+        <a:font script="Hant" typeface="新細明體"/>
+        <a:font script="Arab" typeface="Times New Roman"/>
+        <a:font script="Hebr" typeface="Times New Roman"/>
+        <a:font script="Thai" typeface="Angsana New"/>
+        <a:font script="Ethi" typeface="Nyala"/>
+        <a:font script="Beng" typeface="Vrinda"/>
+        <a:font script="Gujr" typeface="Shruti"/>
+        <a:font script="Khmr" typeface="MoolBoran"/>
+        <a:font script="Knda" typeface="Tunga"/>
+        <a:font script="Guru" typeface="Raavi"/>
+        <a:font script="Cans" typeface="Euphemia"/>
+        <a:font script="Cher" typeface="Plantagenet Cherokee"/>
+        <a:font script="Yiii" typeface="Microsoft Yi Baiti"/>
+        <a:font script="Tibt" typeface="Microsoft Himalaya"/>
+        <a:font script="Thaa" typeface="MV Boli"/>
+        <a:font script="Deva" typeface="Mangal"/>
+        <a:font script="Telu" typeface="Gautami"/>
+        <a:font script="Taml" typeface="Latha"/>
+        <a:font script="Syrc" typeface="Estrangelo Edessa"/>
+        <a:font script="Orya" typeface="Kalinga"/>
+        <a:font script="Mlym" typeface="Kartika"/>
+        <a:font script="Laoo" typeface="DokChampa"/>
+        <a:font script="Sinh" typeface="Iskoola Pota"/>
+        <a:font script="Mong" typeface="Mongolian Baiti"/>
+        <a:font script="Viet" typeface="Times New Roman"/>
+        <a:font script="Uigh" typeface="Microsoft Uighur"/>
+        <a:font script="Geor" typeface="Sylfaen"/>
+        <a:font script="Armn" typeface="Arial"/>
+        <a:font script="Bugi" typeface="Leelawadee UI"/>
+        <a:font script="Bopo" typeface="Microsoft JhengHei"/>
+        <a:font script="Java" typeface="Javanese Text"/>
+        <a:font script="Lisu" typeface="Segoe UI"/>
+        <a:font script="Mymr" typeface="Myanmar Text"/>
+        <a:font script="Nkoo" typeface="Ebrima"/>
+        <a:font script="Olck" typeface="Nirmala UI"/>
+        <a:font script="Osma" typeface="Ebrima"/>
+        <a:font script="Phag" typeface="Phagspa"/>
+        <a:font script="Syrn" typeface="Estrangelo Edessa"/>
+        <a:font script="Syrj" typeface="Estrangelo Edessa"/>
+        <a:font script="Syre" typeface="Estrangelo Edessa"/>
+        <a:font script="Sora" typeface="Nirmala UI"/>
+        <a:font script="Tale" typeface="Microsoft Tai Le"/>
+        <a:font script="Talu" typeface="Microsoft New Tai Lue"/>
+        <a:font script="Tfng" typeface="Ebrima"/>
+      </a:majorFont>
+      <a:minorFont>
+        <a:latin typeface="等线" panose="020F0502020204030204"/>
+        <a:ea typeface=""/>
+        <a:cs typeface=""/>
+        <a:font script="Jpan" typeface="游ゴシック"/>
+        <a:font script="Hang" typeface="맑은 고딕"/>
+        <a:font script="Hans" typeface="等线"/>
+        <a:font script="Hant" typeface="新細明體"/>
+        <a:font script="Arab" typeface="Arial"/>
+        <a:font script="Hebr" typeface="Arial"/>
+        <a:font script="Thai" typeface="Cordia New"/>
+        <a:font script="Ethi" typeface="Nyala"/>
+        <a:font script="Beng" typeface="Vrinda"/>
+        <a:font script="Gujr" typeface="Shruti"/>
+        <a:font script="Khmr" typeface="DaunPenh"/>
+        <a:font script="Knda" typeface="Tunga"/>
+        <a:font script="Guru" typeface="Raavi"/>
+        <a:font script="Cans" typeface="Euphemia"/>
+        <a:font script="Cher" typeface="Plantagenet Cherokee"/>
+        <a:font script="Yiii" typeface="Microsoft Yi Baiti"/>
+        <a:font script="Tibt" typeface="Microsoft Himalaya"/>
+        <a:font script="Thaa" typeface="MV Boli"/>
+        <a:font script="Deva" typeface="Mangal"/>
+        <a:font script="Telu" typeface="Gautami"/>
+        <a:font script="Taml" typeface="Latha"/>
+        <a:font script="Syrc" typeface="Estrangelo Edessa"/>
+        <a:font script="Orya" typeface="Kalinga"/>
+        <a:font script="Mlym" typeface="Kartika"/>
+        <a:font script="Laoo" typeface="DokChampa"/>
+        <a:font script="Sinh" typeface="Iskoola Pota"/>
+        <a:font script="Mong" typeface="Mongolian Baiti"/>
+        <a:font script="Viet" typeface="Arial"/>
+        <a:font script="Uigh" typeface="Microsoft Uighur"/>
+        <a:font script="Geor" typeface="Sylfaen"/>
+        <a:font script="Armn" typeface="Arial"/>
+        <a:font script="Bugi" typeface="Leelawadee UI"/>
+        <a:font script="Bopo" typeface="Microsoft JhengHei"/>
+        <a:font script="Java" typeface="Javanese Text"/>
+        <a:font script="Lisu" typeface="Segoe UI"/>
+        <a:font script="Mymr" typeface="Myanmar Text"/>
+        <a:font script="Nkoo" typeface="Ebrima"/>
+        <a:font script="Olck" typeface="Nirmala UI"/>
+        <a:font script="Osma" typeface="Ebrima"/>
+        <a:font script="Phag" typeface="Phagspa"/>
+        <a:font script="Syrn" typeface="Estrangelo Edessa"/>
+        <a:font script="Syrj" typeface="Estrangelo Edessa"/>
+        <a:font script="Syre" typeface="Estrangelo Edessa"/>
+        <a:font script="Sora" typeface="Nirmala UI"/>
+        <a:font script="Tale" typeface="Microsoft Tai Le"/>
+        <a:font script="Talu" typeface="Microsoft New Tai Lue"/>
+        <a:font script="Tfng" typeface="Ebrima"/>
+      </a:minorFont>
+    </a:fontScheme>
+    <a:fmtScheme name="Office">
+      <a:fillStyleLst>
+        <a:solidFill>
+          <a:schemeClr val="phClr"/>
+        </a:solidFill>
+        <a:gradFill rotWithShape="1">
+          <a:gsLst>
+            <a:gs pos="0">
+              <a:schemeClr val="phClr">
+                <a:lumMod val="110000"/>
+                <a:satMod val="105000"/>
+                <a:tint val="67000"/>
+              </a:schemeClr>
+            </a:gs>
+            <a:gs pos="50000">
+              <a:schemeClr val="phClr">
+                <a:lumMod val="105000"/>
+                <a:satMod val="103000"/>
+                <a:tint val="73000"/>
+              </a:schemeClr>
+            </a:gs>
+            <a:gs pos="100000">
+              <a:schemeClr val="phClr">
+                <a:lumMod val="105000"/>
+                <a:satMod val="109000"/>
+                <a:tint val="81000"/>
+              </a:schemeClr>
+            </a:gs>
+          </a:gsLst>
+          <a:lin ang="5400000" scaled="0"/>
+        </a:gradFill>
+        <a:gradFill rotWithShape="1">
+          <a:gsLst>
+            <a:gs pos="0">
+              <a:schemeClr val="phClr">
+                <a:satMod val="103000"/>
+                <a:lumMod val="102000"/>
+                <a:tint val="94000"/>
+              </a:schemeClr>
+            </a:gs>
+            <a:gs pos="50000">
+              <a:schemeClr val="phClr">
+                <a:satMod val="110000"/>
+                <a:lumMod val="100000"/>
+                <a:shade val="100000"/>
+              </a:schemeClr>
+            </a:gs>
+            <a:gs pos="100000">
+              <a:schemeClr val="phClr">
+                <a:lumMod val="99000"/>
+                <a:satMod val="120000"/>
+                <a:shade val="78000"/>
+              </a:schemeClr>
+            </a:gs>
+          </a:gsLst>
+          <a:lin ang="5400000" scaled="0"/>
+        </a:gradFill>
+      </a:fillStyleLst>
+      <a:lnStyleLst>
+        <a:ln w="6350" cap="flat" cmpd="sng" algn="ctr">
+          <a:solidFill>
+            <a:schemeClr val="phClr"/>
+          </a:solidFill>
+          <a:prstDash val="solid"/>
+          <a:miter lim="800000"/>
+        </a:ln>
+        <a:ln w="12700" cap="flat" cmpd="sng" algn="ctr">
+          <a:solidFill>
+            <a:schemeClr val="phClr"/>
+          </a:solidFill>
+          <a:prstDash val="solid"/>
+          <a:miter lim="800000"/>
+        </a:ln>
+        <a:ln w="19050" cap="flat" cmpd="sng" algn="ctr">
+          <a:solidFill>
+            <a:schemeClr val="phClr"/>
+          </a:solidFill>
+          <a:prstDash val="solid"/>
+          <a:miter lim="800000"/>
+        </a:ln>
+      </a:lnStyleLst>
+      <a:effectStyleLst>
+        <a:effectStyle>
+          <a:effectLst/>
+        </a:effectStyle>
+        <a:effectStyle>
+          <a:effectLst/>
+        </a:effectStyle>
+        <a:effectStyle>
+          <a:effectLst>
+            <a:outerShdw blurRad="57150" dist="19050" dir="5400000" algn="ctr" rotWithShape="0">
+              <a:srgbClr val="000000">
+                <a:alpha val="63000"/>
+              </a:srgbClr>
+            </a:outerShdw>
+          </a:effectLst>
+        </a:effectStyle>
+      </a:effectStyleLst>
+      <a:bgFillStyleLst>
+        <a:solidFill>
+          <a:schemeClr val="phClr"/>
+        </a:solidFill>
+        <a:solidFill>
+          <a:schemeClr val="phClr">
+            <a:tint val="95000"/>
+            <a:satMod val="170000"/>
+          </a:schemeClr>
+        </a:solidFill>
+        <a:gradFill rotWithShape="1">
+          <a:gsLst>
+            <a:gs pos="0">
+              <a:schemeClr val="phClr">
+                <a:tint val="93000"/>
+                <a:satMod val="150000"/>
+                <a:shade val="98000"/>
+                <a:lumMod val="102000"/>
+              </a:schemeClr>
+            </a:gs>
+            <a:gs pos="50000">
+              <a:schemeClr val="phClr">
+                <a:tint val="98000"/>
+                <a:satMod val="130000"/>
+                <a:shade val="90000"/>
+                <a:lumMod val="103000"/>
+              </a:schemeClr>
+            </a:gs>
+            <a:gs pos="100000">
+              <a:schemeClr val="phClr">
+                <a:shade val="63000"/>
+                <a:satMod val="120000"/>
+              </a:schemeClr>
+            </a:gs>
+          </a:gsLst>
+          <a:lin ang="5400000" scaled="0"/>
+        </a:gradFill>
+      </a:bgFillStyleLst>
+    </a:fmtScheme>
+  </a:themeElements>
+  <a:objectDefaults/>
+  <a:extraClrSchemeLst/>
+  <a:extLst>
+    <a:ext uri="{05A4C25C-085E-4340-85A3-A5531E510DB2}">
+      <thm15:themeFamily xmlns:thm15="http://schemas.microsoft.com/office/thememl/2012/main" name="Office Theme" id="{62F939B6-93AF-4DB8-9C6B-D6C7DFDC589F}" vid="{4A3C46E8-61CC-4603-A589-7422A47A8E4A}"/>
+    </a:ext>
+  </a:extLst>
+</a:theme>
 </file>